--- a/授業資料/演習問題：ファイル処理.pptx
+++ b/授業資料/演習問題：ファイル処理.pptx
@@ -364,7 +364,7 @@
           <a:p>
             <a:fld id="{1D8BD707-D9CF-40AE-B4C6-C98DA3205C09}" type="datetimeFigureOut">
               <a:rPr lang="en-US" smtClean="0"/>
-              <a:t>6/13/2024</a:t>
+              <a:t>6/16/2025</a:t>
             </a:fld>
             <a:endParaRPr lang="en-US"/>
           </a:p>
@@ -594,7 +594,7 @@
           <a:p>
             <a:fld id="{1D8BD707-D9CF-40AE-B4C6-C98DA3205C09}" type="datetimeFigureOut">
               <a:rPr lang="en-US" smtClean="0"/>
-              <a:t>6/13/2024</a:t>
+              <a:t>6/16/2025</a:t>
             </a:fld>
             <a:endParaRPr lang="en-US"/>
           </a:p>
@@ -834,7 +834,7 @@
           <a:p>
             <a:fld id="{1D8BD707-D9CF-40AE-B4C6-C98DA3205C09}" type="datetimeFigureOut">
               <a:rPr lang="en-US" smtClean="0"/>
-              <a:t>6/13/2024</a:t>
+              <a:t>6/16/2025</a:t>
             </a:fld>
             <a:endParaRPr lang="en-US"/>
           </a:p>
@@ -1091,7 +1091,7 @@
           <a:p>
             <a:fld id="{1D8BD707-D9CF-40AE-B4C6-C98DA3205C09}" type="datetimeFigureOut">
               <a:rPr lang="en-US"/>
-              <a:t>6/13/2024</a:t>
+              <a:t>6/16/2025</a:t>
             </a:fld>
             <a:endParaRPr lang="en-US"/>
           </a:p>
@@ -1291,7 +1291,7 @@
           <a:p>
             <a:fld id="{1D8BD707-D9CF-40AE-B4C6-C98DA3205C09}" type="datetimeFigureOut">
               <a:rPr lang="en-US"/>
-              <a:t>6/13/2024</a:t>
+              <a:t>6/16/2025</a:t>
             </a:fld>
             <a:endParaRPr lang="en-US"/>
           </a:p>
@@ -1415,7 +1415,7 @@
           <a:p>
             <a:fld id="{1D8BD707-D9CF-40AE-B4C6-C98DA3205C09}" type="datetimeFigureOut">
               <a:rPr lang="en-US"/>
-              <a:t>6/13/2024</a:t>
+              <a:t>6/16/2025</a:t>
             </a:fld>
             <a:endParaRPr lang="en-US"/>
           </a:p>
@@ -1623,7 +1623,7 @@
           <a:p>
             <a:fld id="{1D8BD707-D9CF-40AE-B4C6-C98DA3205C09}" type="datetimeFigureOut">
               <a:rPr lang="en-US" smtClean="0"/>
-              <a:t>6/13/2024</a:t>
+              <a:t>6/16/2025</a:t>
             </a:fld>
             <a:endParaRPr lang="en-US"/>
           </a:p>
@@ -1898,7 +1898,7 @@
           <a:p>
             <a:fld id="{1D8BD707-D9CF-40AE-B4C6-C98DA3205C09}" type="datetimeFigureOut">
               <a:rPr lang="en-US" smtClean="0"/>
-              <a:t>6/13/2024</a:t>
+              <a:t>6/16/2025</a:t>
             </a:fld>
             <a:endParaRPr lang="en-US"/>
           </a:p>
@@ -2227,7 +2227,7 @@
           <a:p>
             <a:fld id="{1D8BD707-D9CF-40AE-B4C6-C98DA3205C09}" type="datetimeFigureOut">
               <a:rPr lang="en-US" smtClean="0"/>
-              <a:t>6/13/2024</a:t>
+              <a:t>6/16/2025</a:t>
             </a:fld>
             <a:endParaRPr lang="en-US"/>
           </a:p>
@@ -2703,7 +2703,7 @@
           <a:p>
             <a:fld id="{1D8BD707-D9CF-40AE-B4C6-C98DA3205C09}" type="datetimeFigureOut">
               <a:rPr lang="en-US" smtClean="0"/>
-              <a:t>6/13/2024</a:t>
+              <a:t>6/16/2025</a:t>
             </a:fld>
             <a:endParaRPr lang="en-US"/>
           </a:p>
@@ -2844,7 +2844,7 @@
           <a:p>
             <a:fld id="{1D8BD707-D9CF-40AE-B4C6-C98DA3205C09}" type="datetimeFigureOut">
               <a:rPr lang="en-US" smtClean="0"/>
-              <a:t>6/13/2024</a:t>
+              <a:t>6/16/2025</a:t>
             </a:fld>
             <a:endParaRPr lang="en-US"/>
           </a:p>
@@ -2957,7 +2957,7 @@
           <a:p>
             <a:fld id="{1D8BD707-D9CF-40AE-B4C6-C98DA3205C09}" type="datetimeFigureOut">
               <a:rPr lang="en-US" smtClean="0"/>
-              <a:t>6/13/2024</a:t>
+              <a:t>6/16/2025</a:t>
             </a:fld>
             <a:endParaRPr lang="en-US"/>
           </a:p>
@@ -3300,7 +3300,7 @@
           <a:p>
             <a:fld id="{1D8BD707-D9CF-40AE-B4C6-C98DA3205C09}" type="datetimeFigureOut">
               <a:rPr lang="en-US" smtClean="0"/>
-              <a:t>6/13/2024</a:t>
+              <a:t>6/16/2025</a:t>
             </a:fld>
             <a:endParaRPr lang="en-US"/>
           </a:p>
@@ -3604,7 +3604,7 @@
           <a:p>
             <a:fld id="{1D8BD707-D9CF-40AE-B4C6-C98DA3205C09}" type="datetimeFigureOut">
               <a:rPr lang="en-US" smtClean="0"/>
-              <a:t>6/13/2024</a:t>
+              <a:t>6/16/2025</a:t>
             </a:fld>
             <a:endParaRPr lang="en-US"/>
           </a:p>
@@ -3877,7 +3877,7 @@
           <a:p>
             <a:fld id="{1D8BD707-D9CF-40AE-B4C6-C98DA3205C09}" type="datetimeFigureOut">
               <a:rPr lang="en-US" smtClean="0"/>
-              <a:t>6/13/2024</a:t>
+              <a:t>6/16/2025</a:t>
             </a:fld>
             <a:endParaRPr lang="en-US"/>
           </a:p>
@@ -4414,7 +4414,7 @@
         <p:spPr>
           <a:xfrm>
             <a:off x="706687" y="1685399"/>
-            <a:ext cx="6102605" cy="1266786"/>
+            <a:ext cx="10266113" cy="4806696"/>
           </a:xfrm>
           <a:prstGeom prst="rect">
             <a:avLst/>
@@ -4478,7 +4478,7 @@
               </a:spcBef>
             </a:pPr>
             <a:r>
-              <a:rPr sz="3744" b="1" u="sng" spc="-42" dirty="0">
+              <a:rPr sz="3744" b="1" u="sng" spc="-42" dirty="0" err="1">
                 <a:uFill>
                   <a:solidFill>
                     <a:srgbClr val="000000"/>
@@ -4490,14 +4490,14 @@
               <a:t>名前</a:t>
             </a:r>
             <a:r>
-              <a:rPr sz="2912" spc="-42" dirty="0">
+              <a:rPr sz="2912" spc="-42" dirty="0" err="1">
                 <a:latin typeface="MS Gothic"/>
                 <a:cs typeface="MS Gothic"/>
               </a:rPr>
               <a:t>と</a:t>
             </a:r>
             <a:r>
-              <a:rPr sz="3744" b="1" u="sng" spc="-42" dirty="0">
+              <a:rPr sz="3744" b="1" u="sng" spc="-42" dirty="0" err="1">
                 <a:uFill>
                   <a:solidFill>
                     <a:srgbClr val="000000"/>
@@ -4509,13 +4509,131 @@
               <a:t>スコア</a:t>
             </a:r>
             <a:r>
-              <a:rPr sz="2912" spc="-42" dirty="0">
+              <a:rPr sz="2912" spc="-42" dirty="0" err="1">
                 <a:latin typeface="MS Gothic"/>
                 <a:cs typeface="MS Gothic"/>
               </a:rPr>
               <a:t>を記録する</a:t>
             </a:r>
-            <a:endParaRPr sz="2912" dirty="0">
+            <a:br>
+              <a:rPr lang="en-US" sz="2912" spc="-42" dirty="0">
+                <a:latin typeface="MS Gothic"/>
+                <a:cs typeface="MS Gothic"/>
+              </a:rPr>
+            </a:br>
+            <a:br>
+              <a:rPr lang="en-US" sz="2912" spc="-42" dirty="0">
+                <a:latin typeface="MS Gothic"/>
+                <a:cs typeface="MS Gothic"/>
+              </a:rPr>
+            </a:br>
+            <a:r>
+              <a:rPr lang="ja-JP" altLang="en-US" sz="2912" spc="-42" dirty="0">
+                <a:latin typeface="MS Gothic"/>
+                <a:cs typeface="MS Gothic"/>
+              </a:rPr>
+              <a:t>①名前は最初にキーボードから入力する</a:t>
+            </a:r>
+            <a:br>
+              <a:rPr lang="en-US" altLang="ja-JP" sz="2912" spc="-42" dirty="0">
+                <a:latin typeface="MS Gothic"/>
+                <a:cs typeface="MS Gothic"/>
+              </a:rPr>
+            </a:br>
+            <a:br>
+              <a:rPr lang="en-US" altLang="ja-JP" sz="2912" spc="-42" dirty="0">
+                <a:latin typeface="MS Gothic"/>
+                <a:cs typeface="MS Gothic"/>
+              </a:rPr>
+            </a:br>
+            <a:r>
+              <a:rPr lang="ja-JP" altLang="en-US" sz="2912" spc="-42" dirty="0">
+                <a:latin typeface="MS Gothic"/>
+                <a:cs typeface="MS Gothic"/>
+              </a:rPr>
+              <a:t>②そのあと、何かキー入力するたびにスコアが＋</a:t>
+            </a:r>
+            <a:r>
+              <a:rPr lang="en-US" altLang="ja-JP" sz="2912" spc="-42" dirty="0">
+                <a:latin typeface="MS Gothic"/>
+                <a:cs typeface="MS Gothic"/>
+              </a:rPr>
+              <a:t>1</a:t>
+            </a:r>
+            <a:r>
+              <a:rPr lang="ja-JP" altLang="en-US" sz="2912" spc="-42" dirty="0">
+                <a:latin typeface="MS Gothic"/>
+                <a:cs typeface="MS Gothic"/>
+              </a:rPr>
+              <a:t>される</a:t>
+            </a:r>
+            <a:br>
+              <a:rPr lang="en-US" altLang="ja-JP" sz="2912" spc="-42" dirty="0">
+                <a:latin typeface="MS Gothic"/>
+                <a:cs typeface="MS Gothic"/>
+              </a:rPr>
+            </a:br>
+            <a:br>
+              <a:rPr lang="en-US" altLang="ja-JP" sz="2912" spc="-42" dirty="0">
+                <a:latin typeface="MS Gothic"/>
+                <a:cs typeface="MS Gothic"/>
+              </a:rPr>
+            </a:br>
+            <a:r>
+              <a:rPr lang="ja-JP" altLang="en-US" sz="2912" spc="-42" dirty="0">
+                <a:latin typeface="MS Gothic"/>
+                <a:cs typeface="MS Gothic"/>
+              </a:rPr>
+              <a:t>③アルファベットの「</a:t>
+            </a:r>
+            <a:r>
+              <a:rPr lang="en-US" altLang="ja-JP" sz="2912" spc="-42" dirty="0">
+                <a:latin typeface="+mj-lt"/>
+                <a:cs typeface="MS Gothic"/>
+              </a:rPr>
+              <a:t>e</a:t>
+            </a:r>
+            <a:r>
+              <a:rPr lang="ja-JP" altLang="en-US" sz="2912" spc="-42" dirty="0">
+                <a:latin typeface="MS Gothic"/>
+                <a:cs typeface="MS Gothic"/>
+              </a:rPr>
+              <a:t>」キーが押されたら入力を終了</a:t>
+            </a:r>
+            <a:br>
+              <a:rPr lang="en-US" altLang="ja-JP" sz="2912" spc="-42" dirty="0">
+                <a:latin typeface="MS Gothic"/>
+                <a:cs typeface="MS Gothic"/>
+              </a:rPr>
+            </a:br>
+            <a:br>
+              <a:rPr lang="en-US" altLang="ja-JP" sz="2912" spc="-42" dirty="0">
+                <a:latin typeface="MS Gothic"/>
+                <a:cs typeface="MS Gothic"/>
+              </a:rPr>
+            </a:br>
+            <a:r>
+              <a:rPr lang="ja-JP" altLang="en-US" sz="2912" spc="-42" dirty="0">
+                <a:latin typeface="MS Gothic"/>
+                <a:cs typeface="MS Gothic"/>
+              </a:rPr>
+              <a:t>④名前とスコアの値をファイル</a:t>
+            </a:r>
+            <a:r>
+              <a:rPr lang="en-US" altLang="ja-JP" sz="2912" spc="-42" dirty="0">
+                <a:latin typeface="+mj-lt"/>
+                <a:cs typeface="MS Gothic"/>
+              </a:rPr>
+              <a:t>score.txt</a:t>
+            </a:r>
+            <a:r>
+              <a:rPr lang="ja-JP" altLang="en-US" sz="2912" spc="-42" dirty="0">
+                <a:latin typeface="MS Gothic"/>
+                <a:cs typeface="MS Gothic"/>
+              </a:rPr>
+              <a:t>に書き込む</a:t>
+            </a:r>
+            <a:endParaRPr lang="en-US" altLang="ja-JP" sz="2912" spc="-42" dirty="0">
               <a:latin typeface="MS Gothic"/>
               <a:cs typeface="MS Gothic"/>
             </a:endParaRPr>
@@ -5469,7 +5587,7 @@
 </file>
 
 <file path=ppt/slides/slide12.xml><?xml version="1.0" encoding="utf-8"?>
-<p:sld xmlns:a="http://schemas.openxmlformats.org/drawingml/2006/main" xmlns:r="http://schemas.openxmlformats.org/officeDocument/2006/relationships" xmlns:p="http://schemas.openxmlformats.org/presentationml/2006/main">
+<p:sld xmlns:a="http://schemas.openxmlformats.org/drawingml/2006/main" xmlns:r="http://schemas.openxmlformats.org/officeDocument/2006/relationships" xmlns:p="http://schemas.openxmlformats.org/presentationml/2006/main" show="0">
   <p:cSld>
     <p:spTree>
       <p:nvGrpSpPr>
@@ -5670,7 +5788,7 @@
 </file>
 
 <file path=ppt/slides/slide13.xml><?xml version="1.0" encoding="utf-8"?>
-<p:sld xmlns:a="http://schemas.openxmlformats.org/drawingml/2006/main" xmlns:r="http://schemas.openxmlformats.org/officeDocument/2006/relationships" xmlns:p="http://schemas.openxmlformats.org/presentationml/2006/main">
+<p:sld xmlns:a="http://schemas.openxmlformats.org/drawingml/2006/main" xmlns:r="http://schemas.openxmlformats.org/officeDocument/2006/relationships" xmlns:p="http://schemas.openxmlformats.org/presentationml/2006/main" show="0">
   <p:cSld>
     <p:spTree>
       <p:nvGrpSpPr>
@@ -7364,7 +7482,7 @@
 </file>
 
 <file path=ppt/slides/slide14.xml><?xml version="1.0" encoding="utf-8"?>
-<p:sld xmlns:a="http://schemas.openxmlformats.org/drawingml/2006/main" xmlns:r="http://schemas.openxmlformats.org/officeDocument/2006/relationships" xmlns:p="http://schemas.openxmlformats.org/presentationml/2006/main">
+<p:sld xmlns:a="http://schemas.openxmlformats.org/drawingml/2006/main" xmlns:r="http://schemas.openxmlformats.org/officeDocument/2006/relationships" xmlns:p="http://schemas.openxmlformats.org/presentationml/2006/main" show="0">
   <p:cSld>
     <p:spTree>
       <p:nvGrpSpPr>
@@ -7924,7 +8042,7 @@
 </file>
 
 <file path=ppt/slides/slide15.xml><?xml version="1.0" encoding="utf-8"?>
-<p:sld xmlns:a="http://schemas.openxmlformats.org/drawingml/2006/main" xmlns:r="http://schemas.openxmlformats.org/officeDocument/2006/relationships" xmlns:p="http://schemas.openxmlformats.org/presentationml/2006/main">
+<p:sld xmlns:a="http://schemas.openxmlformats.org/drawingml/2006/main" xmlns:r="http://schemas.openxmlformats.org/officeDocument/2006/relationships" xmlns:p="http://schemas.openxmlformats.org/presentationml/2006/main" show="0">
   <p:cSld>
     <p:spTree>
       <p:nvGrpSpPr>
@@ -8784,7 +8902,7 @@
 </file>
 
 <file path=ppt/slides/slide16.xml><?xml version="1.0" encoding="utf-8"?>
-<p:sld xmlns:a="http://schemas.openxmlformats.org/drawingml/2006/main" xmlns:r="http://schemas.openxmlformats.org/officeDocument/2006/relationships" xmlns:p="http://schemas.openxmlformats.org/presentationml/2006/main">
+<p:sld xmlns:a="http://schemas.openxmlformats.org/drawingml/2006/main" xmlns:r="http://schemas.openxmlformats.org/officeDocument/2006/relationships" xmlns:p="http://schemas.openxmlformats.org/presentationml/2006/main" show="0">
   <p:cSld>
     <p:spTree>
       <p:nvGrpSpPr>
@@ -9425,13 +9543,6 @@
               </a:rPr>
               <a:t>実行結果に表示させる</a:t>
             </a:r>
-            <a:r>
-              <a:rPr sz="2800" u="none" spc="-35" dirty="0">
-                <a:latin typeface="+mn-ea"/>
-                <a:cs typeface="ＭＳ ゴシック"/>
-              </a:rPr>
-              <a:t>！！</a:t>
-            </a:r>
             <a:endParaRPr sz="2800" dirty="0">
               <a:latin typeface="+mn-ea"/>
               <a:cs typeface="ＭＳ ゴシック"/>
@@ -9755,11 +9866,11 @@
               <a:t>A</a:t>
             </a:r>
             <a:r>
-              <a:rPr sz="2400" b="1" spc="-10" dirty="0">
-                <a:latin typeface="Century Gothic"/>
+              <a:rPr lang="en-US" sz="2400" b="1" spc="-10" dirty="0">
+                <a:latin typeface="+mj-lt"/>
                 <a:cs typeface="Century Gothic"/>
               </a:rPr>
-              <a:t> </a:t>
+              <a:t>,</a:t>
             </a:r>
             <a:r>
               <a:rPr sz="2400" b="1" dirty="0">
@@ -9768,17 +9879,24 @@
               <a:t>100</a:t>
             </a:r>
             <a:r>
-              <a:rPr sz="2400" b="1" spc="10" dirty="0">
+              <a:rPr lang="en-US" sz="2400" b="1" spc="10" dirty="0">
                 <a:cs typeface="Century Gothic"/>
               </a:rPr>
-              <a:t> </a:t>
+              <a:t>,</a:t>
             </a:r>
             <a:r>
               <a:rPr sz="2400" b="1" spc="-100" dirty="0">
                 <a:latin typeface="ＭＳ ゴシック"/>
                 <a:cs typeface="ＭＳ ゴシック"/>
               </a:rPr>
-              <a:t>ショットガン </a:t>
+              <a:t>ショットガン</a:t>
+            </a:r>
+            <a:r>
+              <a:rPr lang="en-US" sz="2400" b="1" spc="-100" dirty="0">
+                <a:latin typeface="+mj-lt"/>
+                <a:cs typeface="ＭＳ ゴシック"/>
+              </a:rPr>
+              <a:t>,</a:t>
             </a:r>
             <a:r>
               <a:rPr sz="2400" b="1" dirty="0">
@@ -9787,10 +9905,10 @@
               <a:t>5</a:t>
             </a:r>
             <a:r>
-              <a:rPr sz="2400" b="1" spc="-10" dirty="0">
+              <a:rPr lang="en-US" sz="2400" b="1" spc="-10" dirty="0">
                 <a:cs typeface="Century Gothic"/>
               </a:rPr>
-              <a:t> </a:t>
+              <a:t>,</a:t>
             </a:r>
             <a:r>
               <a:rPr sz="2400" b="1" spc="-20" dirty="0">
@@ -9898,7 +10016,7 @@
 </file>
 
 <file path=ppt/slides/slide18.xml><?xml version="1.0" encoding="utf-8"?>
-<p:sld xmlns:a="http://schemas.openxmlformats.org/drawingml/2006/main" xmlns:r="http://schemas.openxmlformats.org/officeDocument/2006/relationships" xmlns:p="http://schemas.openxmlformats.org/presentationml/2006/main">
+<p:sld xmlns:a="http://schemas.openxmlformats.org/drawingml/2006/main" xmlns:r="http://schemas.openxmlformats.org/officeDocument/2006/relationships" xmlns:p="http://schemas.openxmlformats.org/presentationml/2006/main" show="0">
   <p:cSld>
     <p:spTree>
       <p:nvGrpSpPr>
@@ -13545,11 +13663,11 @@
               <a:t>A</a:t>
             </a:r>
             <a:r>
-              <a:rPr sz="3200" b="1" spc="-10" dirty="0">
-                <a:latin typeface="Century Gothic"/>
+              <a:rPr lang="en-US" sz="3200" b="1" dirty="0">
+                <a:latin typeface="+mj-lt"/>
                 <a:cs typeface="Century Gothic"/>
               </a:rPr>
-              <a:t> </a:t>
+              <a:t>,</a:t>
             </a:r>
             <a:r>
               <a:rPr sz="3200" b="1" dirty="0">
@@ -13558,17 +13676,23 @@
               <a:t>100</a:t>
             </a:r>
             <a:r>
-              <a:rPr sz="3200" b="1" spc="10" dirty="0">
+              <a:rPr lang="en-US" altLang="ja-JP" sz="3200" b="1" dirty="0">
                 <a:cs typeface="Century Gothic"/>
               </a:rPr>
-              <a:t> </a:t>
+              <a:t>,</a:t>
             </a:r>
             <a:r>
               <a:rPr sz="3200" b="1" spc="-100" dirty="0">
                 <a:latin typeface="ＭＳ ゴシック"/>
                 <a:cs typeface="ＭＳ ゴシック"/>
               </a:rPr>
-              <a:t>ショットガン </a:t>
+              <a:t>ショットガン</a:t>
+            </a:r>
+            <a:r>
+              <a:rPr lang="en-US" altLang="ja-JP" sz="3200" b="1" dirty="0">
+                <a:cs typeface="Century Gothic"/>
+              </a:rPr>
+              <a:t>,</a:t>
             </a:r>
             <a:r>
               <a:rPr sz="3200" b="1" dirty="0">
@@ -13577,10 +13701,10 @@
               <a:t>5</a:t>
             </a:r>
             <a:r>
-              <a:rPr sz="3200" b="1" spc="-10" dirty="0">
+              <a:rPr lang="en-US" altLang="ja-JP" sz="3200" b="1" dirty="0">
                 <a:cs typeface="Century Gothic"/>
               </a:rPr>
-              <a:t> </a:t>
+              <a:t>,</a:t>
             </a:r>
             <a:r>
               <a:rPr sz="3200" b="1" spc="-20" dirty="0">
@@ -15232,10 +15356,10 @@
               <a:t>A</a:t>
             </a:r>
             <a:r>
-              <a:rPr sz="2400" b="1" spc="-10" dirty="0">
+              <a:rPr lang="en-US" altLang="ja-JP" sz="2400" b="1" dirty="0">
                 <a:cs typeface="Century Gothic"/>
               </a:rPr>
-              <a:t> </a:t>
+              <a:t>,</a:t>
             </a:r>
             <a:r>
               <a:rPr sz="2400" b="1" dirty="0">
@@ -15244,16 +15368,22 @@
               <a:t>100</a:t>
             </a:r>
             <a:r>
-              <a:rPr sz="2400" b="1" spc="10" dirty="0">
+              <a:rPr lang="en-US" altLang="ja-JP" sz="2400" b="1" dirty="0">
                 <a:cs typeface="Century Gothic"/>
               </a:rPr>
-              <a:t> </a:t>
+              <a:t>,</a:t>
             </a:r>
             <a:r>
               <a:rPr sz="2400" b="1" spc="-100" dirty="0">
                 <a:cs typeface="ＭＳ ゴシック"/>
               </a:rPr>
-              <a:t>ショットガン </a:t>
+              <a:t>ショットガン</a:t>
+            </a:r>
+            <a:r>
+              <a:rPr lang="en-US" altLang="ja-JP" sz="2400" b="1" dirty="0">
+                <a:cs typeface="Century Gothic"/>
+              </a:rPr>
+              <a:t>,</a:t>
             </a:r>
             <a:r>
               <a:rPr sz="2400" b="1" dirty="0">
@@ -15262,10 +15392,10 @@
               <a:t>5</a:t>
             </a:r>
             <a:r>
-              <a:rPr sz="2400" b="1" spc="-10" dirty="0">
+              <a:rPr lang="en-US" altLang="ja-JP" sz="2400" b="1" dirty="0">
                 <a:cs typeface="Century Gothic"/>
               </a:rPr>
-              <a:t> </a:t>
+              <a:t>,</a:t>
             </a:r>
             <a:r>
               <a:rPr sz="2400" b="1" spc="-20" dirty="0">
@@ -15299,10 +15429,10 @@
               <a:t>B</a:t>
             </a:r>
             <a:r>
-              <a:rPr sz="2400" b="1" spc="-10" dirty="0">
+              <a:rPr lang="en-US" altLang="ja-JP" sz="2400" b="1" dirty="0">
                 <a:cs typeface="Century Gothic"/>
               </a:rPr>
-              <a:t> </a:t>
+              <a:t>,</a:t>
             </a:r>
             <a:r>
               <a:rPr sz="2400" b="1" dirty="0">
@@ -15311,16 +15441,22 @@
               <a:t>90</a:t>
             </a:r>
             <a:r>
-              <a:rPr sz="2400" b="1" spc="10" dirty="0">
+              <a:rPr lang="en-US" altLang="ja-JP" sz="2400" b="1" dirty="0">
                 <a:cs typeface="Century Gothic"/>
               </a:rPr>
-              <a:t> </a:t>
+              <a:t>,</a:t>
             </a:r>
             <a:r>
               <a:rPr sz="2400" b="1" spc="-125" dirty="0">
                 <a:cs typeface="ＭＳ ゴシック"/>
               </a:rPr>
-              <a:t>ピストル </a:t>
+              <a:t>ピストル</a:t>
+            </a:r>
+            <a:r>
+              <a:rPr lang="en-US" altLang="ja-JP" sz="2400" b="1" dirty="0">
+                <a:cs typeface="Century Gothic"/>
+              </a:rPr>
+              <a:t>,</a:t>
             </a:r>
             <a:r>
               <a:rPr sz="2400" b="1" dirty="0">
@@ -15329,10 +15465,10 @@
               <a:t>8</a:t>
             </a:r>
             <a:r>
-              <a:rPr sz="2400" b="1" spc="-5" dirty="0">
+              <a:rPr lang="en-US" altLang="ja-JP" sz="2400" b="1" dirty="0">
                 <a:cs typeface="Century Gothic"/>
               </a:rPr>
-              <a:t> </a:t>
+              <a:t>,</a:t>
             </a:r>
             <a:r>
               <a:rPr sz="2400" b="1" spc="-20" dirty="0">
@@ -15354,19 +15490,37 @@
               <a:rPr sz="2400" b="1" spc="-195" dirty="0">
                 <a:cs typeface="ＭＳ ゴシック"/>
               </a:rPr>
-              <a:t>隊長 </a:t>
+              <a:t>隊長</a:t>
+            </a:r>
+            <a:r>
+              <a:rPr lang="en-US" altLang="ja-JP" sz="2400" b="1" dirty="0">
+                <a:cs typeface="Century Gothic"/>
+              </a:rPr>
+              <a:t>,</a:t>
             </a:r>
             <a:r>
               <a:rPr sz="2400" b="1" dirty="0">
                 <a:cs typeface="Century Gothic"/>
               </a:rPr>
-              <a:t>200 </a:t>
+              <a:t>200</a:t>
+            </a:r>
+            <a:r>
+              <a:rPr lang="en-US" altLang="ja-JP" sz="2400" b="1" dirty="0">
+                <a:cs typeface="Century Gothic"/>
+              </a:rPr>
+              <a:t>,</a:t>
             </a:r>
             <a:r>
               <a:rPr sz="2400" b="1" spc="-80" dirty="0">
                 <a:cs typeface="ＭＳ ゴシック"/>
               </a:rPr>
-              <a:t>アサルトライフル </a:t>
+              <a:t>アサルトライフル</a:t>
+            </a:r>
+            <a:r>
+              <a:rPr lang="en-US" altLang="ja-JP" sz="2400" b="1" dirty="0">
+                <a:cs typeface="Century Gothic"/>
+              </a:rPr>
+              <a:t>,</a:t>
             </a:r>
             <a:r>
               <a:rPr sz="2400" b="1" dirty="0">
@@ -15375,10 +15529,10 @@
               <a:t>90</a:t>
             </a:r>
             <a:r>
-              <a:rPr sz="2400" b="1" spc="5" dirty="0">
+              <a:rPr lang="en-US" altLang="ja-JP" sz="2400" b="1" dirty="0">
                 <a:cs typeface="Century Gothic"/>
               </a:rPr>
-              <a:t> </a:t>
+              <a:t>,</a:t>
             </a:r>
             <a:r>
               <a:rPr sz="2400" b="1" spc="-20" dirty="0">
@@ -18580,7 +18734,7 @@
               </a:rPr>
               <a:t>■</a:t>
             </a:r>
-            <a:endParaRPr sz="1872">
+            <a:endParaRPr sz="1872" dirty="0">
               <a:latin typeface="ＭＳ ゴシック"/>
               <a:cs typeface="ＭＳ ゴシック"/>
             </a:endParaRPr>
@@ -18597,7 +18751,7 @@
               </a:rPr>
               <a:t>■</a:t>
             </a:r>
-            <a:endParaRPr sz="1872">
+            <a:endParaRPr sz="1872" dirty="0">
               <a:latin typeface="ＭＳ ゴシック"/>
               <a:cs typeface="ＭＳ ゴシック"/>
             </a:endParaRPr>
@@ -18614,7 +18768,7 @@
               </a:rPr>
               <a:t>■</a:t>
             </a:r>
-            <a:endParaRPr sz="1872">
+            <a:endParaRPr sz="1872" dirty="0">
               <a:latin typeface="ＭＳ ゴシック"/>
               <a:cs typeface="ＭＳ ゴシック"/>
             </a:endParaRPr>
@@ -21088,7 +21242,7 @@
         </p:nvGraphicFramePr>
         <p:xfrm>
           <a:off x="183607" y="291111"/>
-          <a:ext cx="8840849" cy="2907323"/>
+          <a:ext cx="8840850" cy="2907323"/>
         </p:xfrm>
         <a:graphic>
           <a:graphicData uri="http://schemas.openxmlformats.org/drawingml/2006/table">
@@ -25947,7 +26101,7 @@
         </p:nvGraphicFramePr>
         <p:xfrm>
           <a:off x="826678" y="3317185"/>
-          <a:ext cx="4725556" cy="1951645"/>
+          <a:ext cx="4725555" cy="1951644"/>
         </p:xfrm>
         <a:graphic>
           <a:graphicData uri="http://schemas.openxmlformats.org/drawingml/2006/table">
@@ -26461,7 +26615,7 @@
         </p:nvGraphicFramePr>
         <p:xfrm>
           <a:off x="6956110" y="3317185"/>
-          <a:ext cx="4725556" cy="1951645"/>
+          <a:ext cx="4725555" cy="1951644"/>
         </p:xfrm>
         <a:graphic>
           <a:graphicData uri="http://schemas.openxmlformats.org/drawingml/2006/table">
@@ -28181,7 +28335,7 @@
         </p:nvGraphicFramePr>
         <p:xfrm>
           <a:off x="826678" y="3317185"/>
-          <a:ext cx="4725556" cy="1951645"/>
+          <a:ext cx="4725555" cy="1951644"/>
         </p:xfrm>
         <a:graphic>
           <a:graphicData uri="http://schemas.openxmlformats.org/drawingml/2006/table">
@@ -28695,7 +28849,7 @@
         </p:nvGraphicFramePr>
         <p:xfrm>
           <a:off x="6956110" y="3317185"/>
-          <a:ext cx="4725556" cy="1951645"/>
+          <a:ext cx="4725555" cy="1951644"/>
         </p:xfrm>
         <a:graphic>
           <a:graphicData uri="http://schemas.openxmlformats.org/drawingml/2006/table">
@@ -30776,7 +30930,7 @@
                     <a:srgbClr val="000000"/>
                   </a:solidFill>
                 </a:uFill>
-                <a:latin typeface="ＭＳ ゴシック"/>
+                <a:latin typeface="+mj-lt"/>
                 <a:cs typeface="ＭＳ ゴシック"/>
               </a:rPr>
               <a:t>1</a:t>
@@ -33505,123 +33659,6 @@
           <a:chExt cx="0" cy="0"/>
         </a:xfrm>
       </p:grpSpPr>
-      <p:grpSp>
-        <p:nvGrpSpPr>
-          <p:cNvPr id="2" name="object 2"/>
-          <p:cNvGrpSpPr/>
-          <p:nvPr/>
-        </p:nvGrpSpPr>
-        <p:grpSpPr>
-          <a:xfrm>
-            <a:off x="590975" y="1975471"/>
-            <a:ext cx="10768059" cy="3246797"/>
-            <a:chOff x="568198" y="1796542"/>
-            <a:chExt cx="10353040" cy="3121660"/>
-          </a:xfrm>
-        </p:grpSpPr>
-        <p:sp>
-          <p:nvSpPr>
-            <p:cNvPr id="3" name="object 3"/>
-            <p:cNvSpPr/>
-            <p:nvPr/>
-          </p:nvSpPr>
-          <p:spPr>
-            <a:xfrm>
-              <a:off x="574548" y="1802892"/>
-              <a:ext cx="10340340" cy="3108960"/>
-            </a:xfrm>
-            <a:custGeom>
-              <a:avLst/>
-              <a:gdLst/>
-              <a:ahLst/>
-              <a:cxnLst/>
-              <a:rect l="l" t="t" r="r" b="b"/>
-              <a:pathLst>
-                <a:path w="10340340" h="3108960">
-                  <a:moveTo>
-                    <a:pt x="10340340" y="0"/>
-                  </a:moveTo>
-                  <a:lnTo>
-                    <a:pt x="0" y="0"/>
-                  </a:lnTo>
-                  <a:lnTo>
-                    <a:pt x="0" y="3108960"/>
-                  </a:lnTo>
-                  <a:lnTo>
-                    <a:pt x="10340340" y="3108960"/>
-                  </a:lnTo>
-                  <a:lnTo>
-                    <a:pt x="10340340" y="0"/>
-                  </a:lnTo>
-                  <a:close/>
-                </a:path>
-              </a:pathLst>
-            </a:custGeom>
-            <a:solidFill>
-              <a:srgbClr val="FFFFFF"/>
-            </a:solidFill>
-          </p:spPr>
-          <p:txBody>
-            <a:bodyPr wrap="square" lIns="0" tIns="0" rIns="0" bIns="0" rtlCol="0"/>
-            <a:lstStyle/>
-            <a:p>
-              <a:endParaRPr sz="1872"/>
-            </a:p>
-          </p:txBody>
-        </p:sp>
-        <p:sp>
-          <p:nvSpPr>
-            <p:cNvPr id="4" name="object 4"/>
-            <p:cNvSpPr/>
-            <p:nvPr/>
-          </p:nvSpPr>
-          <p:spPr>
-            <a:xfrm>
-              <a:off x="574548" y="1802892"/>
-              <a:ext cx="10340340" cy="3108960"/>
-            </a:xfrm>
-            <a:custGeom>
-              <a:avLst/>
-              <a:gdLst/>
-              <a:ahLst/>
-              <a:cxnLst/>
-              <a:rect l="l" t="t" r="r" b="b"/>
-              <a:pathLst>
-                <a:path w="10340340" h="3108960">
-                  <a:moveTo>
-                    <a:pt x="0" y="3108960"/>
-                  </a:moveTo>
-                  <a:lnTo>
-                    <a:pt x="10340340" y="3108960"/>
-                  </a:lnTo>
-                  <a:lnTo>
-                    <a:pt x="10340340" y="0"/>
-                  </a:lnTo>
-                  <a:lnTo>
-                    <a:pt x="0" y="0"/>
-                  </a:lnTo>
-                  <a:lnTo>
-                    <a:pt x="0" y="3108960"/>
-                  </a:lnTo>
-                  <a:close/>
-                </a:path>
-              </a:pathLst>
-            </a:custGeom>
-            <a:ln w="12700">
-              <a:solidFill>
-                <a:srgbClr val="1CACE3"/>
-              </a:solidFill>
-            </a:ln>
-          </p:spPr>
-          <p:txBody>
-            <a:bodyPr wrap="square" lIns="0" tIns="0" rIns="0" bIns="0" rtlCol="0"/>
-            <a:lstStyle/>
-            <a:p>
-              <a:endParaRPr sz="1872"/>
-            </a:p>
-          </p:txBody>
-        </p:sp>
-      </p:grpSp>
       <p:sp>
         <p:nvSpPr>
           <p:cNvPr id="5" name="object 5"/>
@@ -33731,580 +33768,6 @@
           </a:p>
         </p:txBody>
       </p:sp>
-      <p:graphicFrame>
-        <p:nvGraphicFramePr>
-          <p:cNvPr id="6" name="object 6"/>
-          <p:cNvGraphicFramePr>
-            <a:graphicFrameLocks noGrp="1"/>
-          </p:cNvGraphicFramePr>
-          <p:nvPr/>
-        </p:nvGraphicFramePr>
-        <p:xfrm>
-          <a:off x="659661" y="2692585"/>
-          <a:ext cx="10508636" cy="2404717"/>
-        </p:xfrm>
-        <a:graphic>
-          <a:graphicData uri="http://schemas.openxmlformats.org/drawingml/2006/table">
-            <a:tbl>
-              <a:tblPr firstRow="1" bandRow="1">
-                <a:tableStyleId>{2D5ABB26-0587-4C30-8999-92F81FD0307C}</a:tableStyleId>
-              </a:tblPr>
-              <a:tblGrid>
-                <a:gridCol w="1609770">
-                  <a:extLst>
-                    <a:ext uri="{9D8B030D-6E8A-4147-A177-3AD203B41FA5}">
-                      <a16:colId xmlns:a16="http://schemas.microsoft.com/office/drawing/2014/main" val="20000"/>
-                    </a:ext>
-                  </a:extLst>
-                </a:gridCol>
-                <a:gridCol w="2334590">
-                  <a:extLst>
-                    <a:ext uri="{9D8B030D-6E8A-4147-A177-3AD203B41FA5}">
-                      <a16:colId xmlns:a16="http://schemas.microsoft.com/office/drawing/2014/main" val="20001"/>
-                    </a:ext>
-                  </a:extLst>
-                </a:gridCol>
-                <a:gridCol w="30500">
-                  <a:extLst>
-                    <a:ext uri="{9D8B030D-6E8A-4147-A177-3AD203B41FA5}">
-                      <a16:colId xmlns:a16="http://schemas.microsoft.com/office/drawing/2014/main" val="20002"/>
-                    </a:ext>
-                  </a:extLst>
-                </a:gridCol>
-                <a:gridCol w="1386362">
-                  <a:extLst>
-                    <a:ext uri="{9D8B030D-6E8A-4147-A177-3AD203B41FA5}">
-                      <a16:colId xmlns:a16="http://schemas.microsoft.com/office/drawing/2014/main" val="20003"/>
-                    </a:ext>
-                  </a:extLst>
-                </a:gridCol>
-                <a:gridCol w="5147414">
-                  <a:extLst>
-                    <a:ext uri="{9D8B030D-6E8A-4147-A177-3AD203B41FA5}">
-                      <a16:colId xmlns:a16="http://schemas.microsoft.com/office/drawing/2014/main" val="20004"/>
-                    </a:ext>
-                  </a:extLst>
-                </a:gridCol>
-              </a:tblGrid>
-              <a:tr h="527704">
-                <a:tc>
-                  <a:txBody>
-                    <a:bodyPr/>
-                    <a:lstStyle/>
-                    <a:p>
-                      <a:pPr marL="31750">
-                        <a:lnSpc>
-                          <a:spcPts val="3895"/>
-                        </a:lnSpc>
-                      </a:pPr>
-                      <a:r>
-                        <a:rPr sz="4200" spc="-25" dirty="0">
-                          <a:solidFill>
-                            <a:srgbClr val="0000FF"/>
-                          </a:solidFill>
-                          <a:latin typeface="+mn-lt"/>
-                          <a:cs typeface="MS Gothic"/>
-                        </a:rPr>
-                        <a:t>int</a:t>
-                      </a:r>
-                      <a:endParaRPr sz="4200" dirty="0">
-                        <a:latin typeface="+mn-lt"/>
-                        <a:cs typeface="MS Gothic"/>
-                      </a:endParaRPr>
-                    </a:p>
-                  </a:txBody>
-                  <a:tcPr marL="0" marR="0" marT="0" marB="0"/>
-                </a:tc>
-                <a:tc>
-                  <a:txBody>
-                    <a:bodyPr/>
-                    <a:lstStyle/>
-                    <a:p>
-                      <a:pPr marL="176530">
-                        <a:lnSpc>
-                          <a:spcPts val="3895"/>
-                        </a:lnSpc>
-                      </a:pPr>
-                      <a:r>
-                        <a:rPr lang="en-US" sz="4200" spc="-10" dirty="0">
-                          <a:latin typeface="+mn-lt"/>
-                          <a:cs typeface="MS Gothic"/>
-                        </a:rPr>
-                        <a:t>score=</a:t>
-                      </a:r>
-                      <a:endParaRPr sz="4200" dirty="0">
-                        <a:latin typeface="+mn-lt"/>
-                        <a:cs typeface="MS Gothic"/>
-                      </a:endParaRPr>
-                    </a:p>
-                  </a:txBody>
-                  <a:tcPr marL="0" marR="0" marT="0" marB="0"/>
-                </a:tc>
-                <a:tc>
-                  <a:txBody>
-                    <a:bodyPr/>
-                    <a:lstStyle/>
-                    <a:p>
-                      <a:pPr marL="127000">
-                        <a:lnSpc>
-                          <a:spcPts val="3895"/>
-                        </a:lnSpc>
-                      </a:pPr>
-                      <a:r>
-                        <a:rPr lang="en-US" sz="4200" spc="-50" dirty="0">
-                          <a:latin typeface="+mn-lt"/>
-                          <a:cs typeface="MS Gothic"/>
-                        </a:rPr>
-                        <a:t>=</a:t>
-                      </a:r>
-                      <a:endParaRPr sz="4200" dirty="0">
-                        <a:latin typeface="+mn-lt"/>
-                        <a:cs typeface="MS Gothic"/>
-                      </a:endParaRPr>
-                    </a:p>
-                  </a:txBody>
-                  <a:tcPr marL="0" marR="0" marT="0" marB="0"/>
-                </a:tc>
-                <a:tc>
-                  <a:txBody>
-                    <a:bodyPr/>
-                    <a:lstStyle/>
-                    <a:p>
-                      <a:pPr marL="127000">
-                        <a:lnSpc>
-                          <a:spcPts val="3895"/>
-                        </a:lnSpc>
-                      </a:pPr>
-                      <a:r>
-                        <a:rPr sz="4200" spc="-25" dirty="0">
-                          <a:latin typeface="+mn-lt"/>
-                          <a:cs typeface="MS Gothic"/>
-                        </a:rPr>
-                        <a:t>0;</a:t>
-                      </a:r>
-                      <a:endParaRPr sz="4200" dirty="0">
-                        <a:latin typeface="+mn-lt"/>
-                        <a:cs typeface="MS Gothic"/>
-                      </a:endParaRPr>
-                    </a:p>
-                  </a:txBody>
-                  <a:tcPr marL="0" marR="0" marT="0" marB="0"/>
-                </a:tc>
-                <a:tc>
-                  <a:txBody>
-                    <a:bodyPr/>
-                    <a:lstStyle/>
-                    <a:p>
-                      <a:pPr marL="1015365">
-                        <a:lnSpc>
-                          <a:spcPts val="3895"/>
-                        </a:lnSpc>
-                      </a:pPr>
-                      <a:r>
-                        <a:rPr sz="4200" spc="-35" dirty="0">
-                          <a:solidFill>
-                            <a:srgbClr val="3D8752"/>
-                          </a:solidFill>
-                          <a:latin typeface="MS Gothic"/>
-                          <a:cs typeface="MS Gothic"/>
-                        </a:rPr>
-                        <a:t>//スコア</a:t>
-                      </a:r>
-                      <a:endParaRPr sz="4200" dirty="0">
-                        <a:latin typeface="MS Gothic"/>
-                        <a:cs typeface="MS Gothic"/>
-                      </a:endParaRPr>
-                    </a:p>
-                  </a:txBody>
-                  <a:tcPr marL="0" marR="0" marT="0" marB="0"/>
-                </a:tc>
-                <a:extLst>
-                  <a:ext uri="{0D108BD9-81ED-4DB2-BD59-A6C34878D82A}">
-                    <a16:rowId xmlns:a16="http://schemas.microsoft.com/office/drawing/2014/main" val="10000"/>
-                  </a:ext>
-                </a:extLst>
-              </a:tr>
-              <a:tr h="686873">
-                <a:tc>
-                  <a:txBody>
-                    <a:bodyPr/>
-                    <a:lstStyle/>
-                    <a:p>
-                      <a:pPr marL="31750">
-                        <a:lnSpc>
-                          <a:spcPct val="100000"/>
-                        </a:lnSpc>
-                        <a:spcBef>
-                          <a:spcPts val="240"/>
-                        </a:spcBef>
-                      </a:pPr>
-                      <a:r>
-                        <a:rPr sz="4200" spc="-20" dirty="0">
-                          <a:solidFill>
-                            <a:srgbClr val="0000FF"/>
-                          </a:solidFill>
-                          <a:latin typeface="+mn-lt"/>
-                          <a:cs typeface="MS Gothic"/>
-                        </a:rPr>
-                        <a:t>char</a:t>
-                      </a:r>
-                      <a:endParaRPr sz="4200" dirty="0">
-                        <a:latin typeface="+mn-lt"/>
-                        <a:cs typeface="MS Gothic"/>
-                      </a:endParaRPr>
-                    </a:p>
-                  </a:txBody>
-                  <a:tcPr marL="0" marR="0" marT="31702" marB="0"/>
-                </a:tc>
-                <a:tc gridSpan="3">
-                  <a:txBody>
-                    <a:bodyPr/>
-                    <a:lstStyle/>
-                    <a:p>
-                      <a:pPr marL="176530">
-                        <a:lnSpc>
-                          <a:spcPct val="100000"/>
-                        </a:lnSpc>
-                        <a:spcBef>
-                          <a:spcPts val="240"/>
-                        </a:spcBef>
-                      </a:pPr>
-                      <a:r>
-                        <a:rPr sz="4200" spc="-25" dirty="0">
-                          <a:latin typeface="+mn-lt"/>
-                          <a:cs typeface="MS Gothic"/>
-                        </a:rPr>
-                        <a:t>ch;</a:t>
-                      </a:r>
-                      <a:endParaRPr sz="4200" dirty="0">
-                        <a:latin typeface="+mn-lt"/>
-                        <a:cs typeface="MS Gothic"/>
-                      </a:endParaRPr>
-                    </a:p>
-                  </a:txBody>
-                  <a:tcPr marL="0" marR="0" marT="31702" marB="0"/>
-                </a:tc>
-                <a:tc hMerge="1">
-                  <a:txBody>
-                    <a:bodyPr/>
-                    <a:lstStyle/>
-                    <a:p>
-                      <a:endParaRPr/>
-                    </a:p>
-                  </a:txBody>
-                  <a:tcPr marL="0" marR="0" marT="0" marB="0"/>
-                </a:tc>
-                <a:tc hMerge="1">
-                  <a:txBody>
-                    <a:bodyPr/>
-                    <a:lstStyle/>
-                    <a:p>
-                      <a:endParaRPr/>
-                    </a:p>
-                  </a:txBody>
-                  <a:tcPr marL="0" marR="0" marT="0" marB="0"/>
-                </a:tc>
-                <a:tc>
-                  <a:txBody>
-                    <a:bodyPr/>
-                    <a:lstStyle/>
-                    <a:p>
-                      <a:pPr marL="100965">
-                        <a:lnSpc>
-                          <a:spcPct val="100000"/>
-                        </a:lnSpc>
-                        <a:spcBef>
-                          <a:spcPts val="240"/>
-                        </a:spcBef>
-                      </a:pPr>
-                      <a:r>
-                        <a:rPr lang="ja-JP" altLang="en-US" sz="4200" spc="-45" dirty="0">
-                          <a:solidFill>
-                            <a:srgbClr val="3D8752"/>
-                          </a:solidFill>
-                          <a:latin typeface="MS Gothic"/>
-                          <a:cs typeface="MS Gothic"/>
-                        </a:rPr>
-                        <a:t>　　</a:t>
-                      </a:r>
-                      <a:r>
-                        <a:rPr sz="4200" spc="-45" dirty="0">
-                          <a:solidFill>
-                            <a:srgbClr val="3D8752"/>
-                          </a:solidFill>
-                          <a:latin typeface="MS Gothic"/>
-                          <a:cs typeface="MS Gothic"/>
-                        </a:rPr>
-                        <a:t>//入力したキー</a:t>
-                      </a:r>
-                      <a:endParaRPr sz="4200" dirty="0">
-                        <a:latin typeface="MS Gothic"/>
-                        <a:cs typeface="MS Gothic"/>
-                      </a:endParaRPr>
-                    </a:p>
-                  </a:txBody>
-                  <a:tcPr marL="0" marR="0" marT="31702" marB="0"/>
-                </a:tc>
-                <a:extLst>
-                  <a:ext uri="{0D108BD9-81ED-4DB2-BD59-A6C34878D82A}">
-                    <a16:rowId xmlns:a16="http://schemas.microsoft.com/office/drawing/2014/main" val="10001"/>
-                  </a:ext>
-                </a:extLst>
-              </a:tr>
-              <a:tr h="621488">
-                <a:tc>
-                  <a:txBody>
-                    <a:bodyPr/>
-                    <a:lstStyle/>
-                    <a:p>
-                      <a:pPr marL="31750">
-                        <a:lnSpc>
-                          <a:spcPts val="4610"/>
-                        </a:lnSpc>
-                      </a:pPr>
-                      <a:r>
-                        <a:rPr sz="4200" spc="-20" dirty="0">
-                          <a:solidFill>
-                            <a:srgbClr val="0000FF"/>
-                          </a:solidFill>
-                          <a:latin typeface="+mn-lt"/>
-                          <a:cs typeface="MS Gothic"/>
-                        </a:rPr>
-                        <a:t>char</a:t>
-                      </a:r>
-                      <a:endParaRPr sz="4200" dirty="0">
-                        <a:latin typeface="+mn-lt"/>
-                        <a:cs typeface="MS Gothic"/>
-                      </a:endParaRPr>
-                    </a:p>
-                  </a:txBody>
-                  <a:tcPr marL="0" marR="0" marT="0" marB="0"/>
-                </a:tc>
-                <a:tc gridSpan="3">
-                  <a:txBody>
-                    <a:bodyPr/>
-                    <a:lstStyle/>
-                    <a:p>
-                      <a:pPr marL="176530">
-                        <a:lnSpc>
-                          <a:spcPts val="4610"/>
-                        </a:lnSpc>
-                      </a:pPr>
-                      <a:r>
-                        <a:rPr sz="4200" spc="-10" dirty="0">
-                          <a:latin typeface="+mn-lt"/>
-                          <a:cs typeface="MS Gothic"/>
-                        </a:rPr>
-                        <a:t>name[20];</a:t>
-                      </a:r>
-                      <a:endParaRPr sz="4200" dirty="0">
-                        <a:latin typeface="+mn-lt"/>
-                        <a:cs typeface="MS Gothic"/>
-                      </a:endParaRPr>
-                    </a:p>
-                  </a:txBody>
-                  <a:tcPr marL="0" marR="0" marT="0" marB="0"/>
-                </a:tc>
-                <a:tc hMerge="1">
-                  <a:txBody>
-                    <a:bodyPr/>
-                    <a:lstStyle/>
-                    <a:p>
-                      <a:endParaRPr/>
-                    </a:p>
-                  </a:txBody>
-                  <a:tcPr marL="0" marR="0" marT="0" marB="0"/>
-                </a:tc>
-                <a:tc hMerge="1">
-                  <a:txBody>
-                    <a:bodyPr/>
-                    <a:lstStyle/>
-                    <a:p>
-                      <a:endParaRPr/>
-                    </a:p>
-                  </a:txBody>
-                  <a:tcPr marL="0" marR="0" marT="0" marB="0"/>
-                </a:tc>
-                <a:tc>
-                  <a:txBody>
-                    <a:bodyPr/>
-                    <a:lstStyle/>
-                    <a:p>
-                      <a:pPr marL="100965">
-                        <a:lnSpc>
-                          <a:spcPts val="4610"/>
-                        </a:lnSpc>
-                      </a:pPr>
-                      <a:r>
-                        <a:rPr lang="ja-JP" altLang="en-US" sz="4200" spc="-35" dirty="0">
-                          <a:solidFill>
-                            <a:srgbClr val="3D8752"/>
-                          </a:solidFill>
-                          <a:latin typeface="MS Gothic"/>
-                          <a:cs typeface="MS Gothic"/>
-                        </a:rPr>
-                        <a:t>　　</a:t>
-                      </a:r>
-                      <a:r>
-                        <a:rPr sz="4200" spc="-35" dirty="0">
-                          <a:solidFill>
-                            <a:srgbClr val="3D8752"/>
-                          </a:solidFill>
-                          <a:latin typeface="MS Gothic"/>
-                          <a:cs typeface="MS Gothic"/>
-                        </a:rPr>
-                        <a:t>//名前</a:t>
-                      </a:r>
-                      <a:endParaRPr sz="4200" dirty="0">
-                        <a:latin typeface="MS Gothic"/>
-                        <a:cs typeface="MS Gothic"/>
-                      </a:endParaRPr>
-                    </a:p>
-                  </a:txBody>
-                  <a:tcPr marL="0" marR="0" marT="0" marB="0"/>
-                </a:tc>
-                <a:extLst>
-                  <a:ext uri="{0D108BD9-81ED-4DB2-BD59-A6C34878D82A}">
-                    <a16:rowId xmlns:a16="http://schemas.microsoft.com/office/drawing/2014/main" val="10002"/>
-                  </a:ext>
-                </a:extLst>
-              </a:tr>
-              <a:tr h="568652">
-                <a:tc>
-                  <a:txBody>
-                    <a:bodyPr/>
-                    <a:lstStyle/>
-                    <a:p>
-                      <a:pPr marL="31750">
-                        <a:lnSpc>
-                          <a:spcPts val="4210"/>
-                        </a:lnSpc>
-                      </a:pPr>
-                      <a:r>
-                        <a:rPr sz="4200" spc="-20" dirty="0">
-                          <a:solidFill>
-                            <a:srgbClr val="2B91AE"/>
-                          </a:solidFill>
-                          <a:latin typeface="+mn-lt"/>
-                          <a:cs typeface="MS Gothic"/>
-                        </a:rPr>
-                        <a:t>FILE</a:t>
-                      </a:r>
-                      <a:endParaRPr sz="4200" dirty="0">
-                        <a:latin typeface="+mn-lt"/>
-                        <a:cs typeface="MS Gothic"/>
-                      </a:endParaRPr>
-                    </a:p>
-                  </a:txBody>
-                  <a:tcPr marL="0" marR="0" marT="0" marB="0"/>
-                </a:tc>
-                <a:tc gridSpan="3">
-                  <a:txBody>
-                    <a:bodyPr/>
-                    <a:lstStyle/>
-                    <a:p>
-                      <a:pPr marL="176530">
-                        <a:lnSpc>
-                          <a:spcPts val="4210"/>
-                        </a:lnSpc>
-                      </a:pPr>
-                      <a:r>
-                        <a:rPr sz="4200" dirty="0">
-                          <a:latin typeface="+mn-lt"/>
-                          <a:cs typeface="MS Gothic"/>
-                        </a:rPr>
-                        <a:t>*</a:t>
-                      </a:r>
-                      <a:r>
-                        <a:rPr sz="4200" spc="-10" dirty="0">
-                          <a:latin typeface="+mn-lt"/>
-                          <a:cs typeface="MS Gothic"/>
-                        </a:rPr>
-                        <a:t> </a:t>
-                      </a:r>
-                      <a:r>
-                        <a:rPr sz="4200" spc="-25" dirty="0">
-                          <a:latin typeface="+mn-lt"/>
-                          <a:cs typeface="MS Gothic"/>
-                        </a:rPr>
-                        <a:t>fp;</a:t>
-                      </a:r>
-                      <a:endParaRPr sz="4200" dirty="0">
-                        <a:latin typeface="+mn-lt"/>
-                        <a:cs typeface="MS Gothic"/>
-                      </a:endParaRPr>
-                    </a:p>
-                  </a:txBody>
-                  <a:tcPr marL="0" marR="0" marT="0" marB="0"/>
-                </a:tc>
-                <a:tc hMerge="1">
-                  <a:txBody>
-                    <a:bodyPr/>
-                    <a:lstStyle/>
-                    <a:p>
-                      <a:endParaRPr/>
-                    </a:p>
-                  </a:txBody>
-                  <a:tcPr marL="0" marR="0" marT="0" marB="0"/>
-                </a:tc>
-                <a:tc hMerge="1">
-                  <a:txBody>
-                    <a:bodyPr/>
-                    <a:lstStyle/>
-                    <a:p>
-                      <a:endParaRPr/>
-                    </a:p>
-                  </a:txBody>
-                  <a:tcPr marL="0" marR="0" marT="0" marB="0"/>
-                </a:tc>
-                <a:tc>
-                  <a:txBody>
-                    <a:bodyPr/>
-                    <a:lstStyle/>
-                    <a:p>
-                      <a:pPr marL="100965">
-                        <a:lnSpc>
-                          <a:spcPts val="4210"/>
-                        </a:lnSpc>
-                      </a:pPr>
-                      <a:r>
-                        <a:rPr lang="ja-JP" altLang="en-US" sz="4200" spc="-45" dirty="0">
-                          <a:solidFill>
-                            <a:srgbClr val="3D8752"/>
-                          </a:solidFill>
-                          <a:latin typeface="MS Gothic"/>
-                          <a:cs typeface="MS Gothic"/>
-                        </a:rPr>
-                        <a:t>　　</a:t>
-                      </a:r>
-                      <a:r>
-                        <a:rPr sz="4200" spc="-45" dirty="0">
-                          <a:solidFill>
-                            <a:srgbClr val="3D8752"/>
-                          </a:solidFill>
-                          <a:latin typeface="MS Gothic"/>
-                          <a:cs typeface="MS Gothic"/>
-                        </a:rPr>
-                        <a:t>//ファイルポインタ</a:t>
-                      </a:r>
-                      <a:endParaRPr sz="4200" dirty="0">
-                        <a:latin typeface="MS Gothic"/>
-                        <a:cs typeface="MS Gothic"/>
-                      </a:endParaRPr>
-                    </a:p>
-                  </a:txBody>
-                  <a:tcPr marL="0" marR="0" marT="0" marB="0"/>
-                </a:tc>
-                <a:extLst>
-                  <a:ext uri="{0D108BD9-81ED-4DB2-BD59-A6C34878D82A}">
-                    <a16:rowId xmlns:a16="http://schemas.microsoft.com/office/drawing/2014/main" val="10003"/>
-                  </a:ext>
-                </a:extLst>
-              </a:tr>
-            </a:tbl>
-          </a:graphicData>
-        </a:graphic>
-      </p:graphicFrame>
       <p:sp>
         <p:nvSpPr>
           <p:cNvPr id="7" name="object 7"/>
@@ -34345,6 +33808,98 @@
               <a:rPr spc="-104" dirty="0"/>
               <a:t>f_prac01.c</a:t>
             </a:r>
+          </a:p>
+        </p:txBody>
+      </p:sp>
+      <p:sp>
+        <p:nvSpPr>
+          <p:cNvPr id="8" name="テキスト ボックス 7">
+            <a:extLst>
+              <a:ext uri="{FF2B5EF4-FFF2-40B4-BE49-F238E27FC236}">
+                <a16:creationId xmlns:a16="http://schemas.microsoft.com/office/drawing/2014/main" id="{70946605-80DF-94BC-32F0-2EDF12274303}"/>
+              </a:ext>
+            </a:extLst>
+          </p:cNvPr>
+          <p:cNvSpPr txBox="1"/>
+          <p:nvPr/>
+        </p:nvSpPr>
+        <p:spPr>
+          <a:xfrm>
+            <a:off x="685800" y="2704138"/>
+            <a:ext cx="9478877" cy="2308324"/>
+          </a:xfrm>
+          <a:prstGeom prst="rect">
+            <a:avLst/>
+          </a:prstGeom>
+          <a:noFill/>
+        </p:spPr>
+        <p:txBody>
+          <a:bodyPr wrap="none" rtlCol="0">
+            <a:spAutoFit/>
+          </a:bodyPr>
+          <a:lstStyle/>
+          <a:p>
+            <a:r>
+              <a:rPr kumimoji="1" lang="en-US" altLang="ja-JP" sz="3600" dirty="0"/>
+              <a:t>int score = 0;	//</a:t>
+            </a:r>
+            <a:r>
+              <a:rPr kumimoji="1" lang="ja-JP" altLang="en-US" sz="3600" dirty="0"/>
+              <a:t>スコア</a:t>
+            </a:r>
+            <a:r>
+              <a:rPr kumimoji="1" lang="en-US" altLang="ja-JP" sz="3600" dirty="0"/>
+              <a:t>	</a:t>
+            </a:r>
+          </a:p>
+          <a:p>
+            <a:r>
+              <a:rPr lang="en-US" altLang="ja-JP" sz="3600" dirty="0"/>
+              <a:t>char </a:t>
+            </a:r>
+            <a:r>
+              <a:rPr lang="en-US" altLang="ja-JP" sz="3600" dirty="0" err="1"/>
+              <a:t>ch</a:t>
+            </a:r>
+            <a:r>
+              <a:rPr lang="en-US" altLang="ja-JP" sz="3600" dirty="0"/>
+              <a:t>;			//</a:t>
+            </a:r>
+            <a:r>
+              <a:rPr lang="ja-JP" altLang="en-US" sz="3600" dirty="0"/>
+              <a:t>入力したキー</a:t>
+            </a:r>
+            <a:endParaRPr lang="en-US" altLang="ja-JP" sz="3600" dirty="0"/>
+          </a:p>
+          <a:p>
+            <a:r>
+              <a:rPr kumimoji="1" lang="en-US" altLang="ja-JP" sz="3600" dirty="0"/>
+              <a:t>char name[20];	//</a:t>
+            </a:r>
+            <a:r>
+              <a:rPr kumimoji="1" lang="ja-JP" altLang="en-US" sz="3600" dirty="0"/>
+              <a:t>名前を格納する配列</a:t>
+            </a:r>
+            <a:endParaRPr kumimoji="1" lang="en-US" altLang="ja-JP" sz="3600" dirty="0"/>
+          </a:p>
+          <a:p>
+            <a:r>
+              <a:rPr lang="en-US" altLang="ja-JP" sz="3600" dirty="0"/>
+              <a:t>FILE* </a:t>
+            </a:r>
+            <a:r>
+              <a:rPr lang="en-US" altLang="ja-JP" sz="3600" dirty="0" err="1"/>
+              <a:t>fp</a:t>
+            </a:r>
+            <a:r>
+              <a:rPr lang="en-US" altLang="ja-JP" sz="3600" dirty="0"/>
+              <a:t>;			//</a:t>
+            </a:r>
+            <a:r>
+              <a:rPr lang="ja-JP" altLang="en-US" sz="3600" dirty="0"/>
+              <a:t>ファイルポインタ</a:t>
+            </a:r>
+            <a:endParaRPr kumimoji="1" lang="ja-JP" altLang="en-US" sz="3600" dirty="0"/>
           </a:p>
         </p:txBody>
       </p:sp>

--- a/授業資料/演習問題：ファイル処理.pptx
+++ b/授業資料/演習問題：ファイル処理.pptx
@@ -9840,7 +9840,19 @@
               <a:rPr b="0" spc="-10" dirty="0">
                 <a:latin typeface="+mn-lt"/>
               </a:rPr>
-              <a:t>f_prac03.c</a:t>
+              <a:t>f_prac0</a:t>
+            </a:r>
+            <a:r>
+              <a:rPr lang="en-US" b="0" spc="-10" dirty="0">
+                <a:latin typeface="+mn-lt"/>
+              </a:rPr>
+              <a:t>2</a:t>
+            </a:r>
+            <a:r>
+              <a:rPr b="0" spc="-10" dirty="0">
+                <a:latin typeface="+mn-lt"/>
+              </a:rPr>
+              <a:t>.c</a:t>
             </a:r>
           </a:p>
         </p:txBody>
@@ -10016,15 +10028,9 @@
             </a:r>
             <a:r>
               <a:rPr lang="en-US" sz="2800" spc="-40" dirty="0">
-                <a:cs typeface="ＭＳ ゴシック"/>
-              </a:rPr>
-              <a:t>file0</a:t>
-            </a:r>
-            <a:r>
-              <a:rPr lang="en-US" altLang="ja-JP" sz="2800" spc="-40" dirty="0">
-                <a:cs typeface="ＭＳ ゴシック"/>
-              </a:rPr>
-              <a:t>3</a:t>
+                <a:cs typeface="Century Gothic"/>
+              </a:rPr>
+              <a:t>status</a:t>
             </a:r>
             <a:r>
               <a:rPr lang="en-US" sz="2800" spc="-40" dirty="0">
@@ -10890,7 +10896,15 @@
             </a:pPr>
             <a:r>
               <a:rPr spc="-10" dirty="0"/>
-              <a:t>f_prac03.c</a:t>
+              <a:t>f_prac0</a:t>
+            </a:r>
+            <a:r>
+              <a:rPr lang="en-US" spc="-10" dirty="0"/>
+              <a:t>2</a:t>
+            </a:r>
+            <a:r>
+              <a:rPr spc="-10" dirty="0"/>
+              <a:t>.c</a:t>
             </a:r>
           </a:p>
         </p:txBody>
@@ -12898,7 +12912,15 @@
             </a:pPr>
             <a:r>
               <a:rPr spc="-10" dirty="0"/>
-              <a:t>f_prac03.c</a:t>
+              <a:t>f_prac0</a:t>
+            </a:r>
+            <a:r>
+              <a:rPr lang="en-US" spc="-10" dirty="0"/>
+              <a:t>2</a:t>
+            </a:r>
+            <a:r>
+              <a:rPr spc="-10" dirty="0"/>
+              <a:t>.c</a:t>
             </a:r>
           </a:p>
         </p:txBody>
@@ -13386,7 +13408,15 @@
             </a:pPr>
             <a:r>
               <a:rPr spc="-10" dirty="0"/>
-              <a:t>f_prac03.c</a:t>
+              <a:t>f_prac0</a:t>
+            </a:r>
+            <a:r>
+              <a:rPr lang="en-US" spc="-10" dirty="0"/>
+              <a:t>2</a:t>
+            </a:r>
+            <a:r>
+              <a:rPr spc="-10" dirty="0"/>
+              <a:t>.c</a:t>
             </a:r>
           </a:p>
         </p:txBody>
@@ -13511,7 +13541,15 @@
             </a:pPr>
             <a:r>
               <a:rPr spc="-10" dirty="0"/>
-              <a:t>f_prac03.c</a:t>
+              <a:t>f_prac0</a:t>
+            </a:r>
+            <a:r>
+              <a:rPr lang="en-US" spc="-10" dirty="0"/>
+              <a:t>2</a:t>
+            </a:r>
+            <a:r>
+              <a:rPr spc="-10" dirty="0"/>
+              <a:t>.c</a:t>
             </a:r>
           </a:p>
         </p:txBody>
@@ -14092,7 +14130,7 @@
         </p:nvSpPr>
         <p:spPr>
           <a:xfrm>
-            <a:off x="8915400" y="279038"/>
+            <a:off x="8915400" y="389422"/>
             <a:ext cx="3049905" cy="452120"/>
           </a:xfrm>
           <a:prstGeom prst="rect">
@@ -14129,19 +14167,7 @@
               <a:rPr lang="en-US" sz="2800" spc="-40" dirty="0">
                 <a:cs typeface="ＭＳ ゴシック"/>
               </a:rPr>
-              <a:t>file0</a:t>
-            </a:r>
-            <a:r>
-              <a:rPr lang="en-US" altLang="ja-JP" sz="2800" spc="-40" dirty="0">
-                <a:cs typeface="ＭＳ ゴシック"/>
-              </a:rPr>
-              <a:t>3</a:t>
-            </a:r>
-            <a:r>
-              <a:rPr lang="en-US" sz="2800" spc="-40" dirty="0">
-                <a:cs typeface="ＭＳ ゴシック"/>
-              </a:rPr>
-              <a:t>.txt</a:t>
+              <a:t>status.txt</a:t>
             </a:r>
             <a:endParaRPr sz="2800" dirty="0">
               <a:cs typeface="ＭＳ ゴシック"/>
@@ -14923,7 +14949,15 @@
             </a:pPr>
             <a:r>
               <a:rPr spc="-10" dirty="0"/>
-              <a:t>f_prac03.c</a:t>
+              <a:t>f_prac0</a:t>
+            </a:r>
+            <a:r>
+              <a:rPr lang="en-US" spc="-10" dirty="0"/>
+              <a:t>2</a:t>
+            </a:r>
+            <a:r>
+              <a:rPr spc="-10" dirty="0"/>
+              <a:t>.c</a:t>
             </a:r>
           </a:p>
         </p:txBody>
@@ -15068,7 +15102,15 @@
             </a:pPr>
             <a:r>
               <a:rPr spc="-10" dirty="0"/>
-              <a:t>f_prac03.c</a:t>
+              <a:t>f_prac0</a:t>
+            </a:r>
+            <a:r>
+              <a:rPr lang="en-US" spc="-10" dirty="0"/>
+              <a:t>2</a:t>
+            </a:r>
+            <a:r>
+              <a:rPr spc="-10" dirty="0"/>
+              <a:t>.c</a:t>
             </a:r>
           </a:p>
         </p:txBody>
@@ -15479,7 +15521,15 @@
             </a:pPr>
             <a:r>
               <a:rPr spc="-10" dirty="0"/>
-              <a:t>f_prac03.c</a:t>
+              <a:t>f_prac0</a:t>
+            </a:r>
+            <a:r>
+              <a:rPr lang="en-US" spc="-10" dirty="0"/>
+              <a:t>2</a:t>
+            </a:r>
+            <a:r>
+              <a:rPr spc="-10" dirty="0"/>
+              <a:t>.c</a:t>
             </a:r>
           </a:p>
         </p:txBody>
@@ -16036,7 +16086,15 @@
             </a:pPr>
             <a:r>
               <a:rPr spc="-10" dirty="0"/>
-              <a:t>f_prac03.c</a:t>
+              <a:t>f_prac0</a:t>
+            </a:r>
+            <a:r>
+              <a:rPr lang="en-US" spc="-10" dirty="0"/>
+              <a:t>2</a:t>
+            </a:r>
+            <a:r>
+              <a:rPr spc="-10" dirty="0"/>
+              <a:t>.c</a:t>
             </a:r>
           </a:p>
         </p:txBody>
@@ -20204,7 +20262,7 @@
               <a:rPr lang="en-US" sz="4992" b="0" spc="-10" dirty="0">
                 <a:latin typeface="+mn-lt"/>
               </a:rPr>
-              <a:t>f_prac05.c</a:t>
+              <a:t>f_prac03.c</a:t>
             </a:r>
           </a:p>
         </p:txBody>
@@ -22691,7 +22749,15 @@
             </a:pPr>
             <a:r>
               <a:rPr spc="-10" dirty="0"/>
-              <a:t>f_prac05.c</a:t>
+              <a:t>f_prac0</a:t>
+            </a:r>
+            <a:r>
+              <a:rPr lang="en-US" spc="-10" dirty="0"/>
+              <a:t>3</a:t>
+            </a:r>
+            <a:r>
+              <a:rPr spc="-10" dirty="0"/>
+              <a:t>.c</a:t>
             </a:r>
           </a:p>
         </p:txBody>
@@ -23650,7 +23716,15 @@
             </a:pPr>
             <a:r>
               <a:rPr spc="-10" dirty="0"/>
-              <a:t>f_prac05.c</a:t>
+              <a:t>f_prac0</a:t>
+            </a:r>
+            <a:r>
+              <a:rPr lang="en-US" spc="-10" dirty="0"/>
+              <a:t>3</a:t>
+            </a:r>
+            <a:r>
+              <a:rPr spc="-10" dirty="0"/>
+              <a:t>.c</a:t>
             </a:r>
           </a:p>
         </p:txBody>
@@ -24153,7 +24227,15 @@
             </a:pPr>
             <a:r>
               <a:rPr spc="-10" dirty="0"/>
-              <a:t>f_prac05.c</a:t>
+              <a:t>f_prac0</a:t>
+            </a:r>
+            <a:r>
+              <a:rPr lang="en-US" spc="-10" dirty="0"/>
+              <a:t>3</a:t>
+            </a:r>
+            <a:r>
+              <a:rPr spc="-10" dirty="0"/>
+              <a:t>.c</a:t>
             </a:r>
           </a:p>
         </p:txBody>
@@ -24644,7 +24726,15 @@
             </a:pPr>
             <a:r>
               <a:rPr spc="-10" dirty="0"/>
-              <a:t>f_prac05.c</a:t>
+              <a:t>f_prac0</a:t>
+            </a:r>
+            <a:r>
+              <a:rPr lang="en-US" spc="-10" dirty="0"/>
+              <a:t>3</a:t>
+            </a:r>
+            <a:r>
+              <a:rPr spc="-10" dirty="0"/>
+              <a:t>.c</a:t>
             </a:r>
           </a:p>
         </p:txBody>
@@ -25299,7 +25389,15 @@
             </a:pPr>
             <a:r>
               <a:rPr spc="-10" dirty="0"/>
-              <a:t>f_prac05.c</a:t>
+              <a:t>f_prac0</a:t>
+            </a:r>
+            <a:r>
+              <a:rPr lang="en-US" spc="-10" dirty="0"/>
+              <a:t>3</a:t>
+            </a:r>
+            <a:r>
+              <a:rPr spc="-10" dirty="0"/>
+              <a:t>.c</a:t>
             </a:r>
           </a:p>
         </p:txBody>
@@ -25698,7 +25796,15 @@
             </a:pPr>
             <a:r>
               <a:rPr spc="-10" dirty="0"/>
-              <a:t>f_prac05.c</a:t>
+              <a:t>f_prac0</a:t>
+            </a:r>
+            <a:r>
+              <a:rPr lang="en-US" spc="-10" dirty="0"/>
+              <a:t>3</a:t>
+            </a:r>
+            <a:r>
+              <a:rPr spc="-10" dirty="0"/>
+              <a:t>.c</a:t>
             </a:r>
           </a:p>
         </p:txBody>
@@ -26417,7 +26523,15 @@
             </a:pPr>
             <a:r>
               <a:rPr spc="-10" dirty="0"/>
-              <a:t>f_prac05.c</a:t>
+              <a:t>f_prac0</a:t>
+            </a:r>
+            <a:r>
+              <a:rPr lang="en-US" spc="-10" dirty="0"/>
+              <a:t>3</a:t>
+            </a:r>
+            <a:r>
+              <a:rPr spc="-10" dirty="0"/>
+              <a:t>.c</a:t>
             </a:r>
           </a:p>
         </p:txBody>
@@ -32370,7 +32484,15 @@
             </a:pPr>
             <a:r>
               <a:rPr spc="-10" dirty="0"/>
-              <a:t>f_prac05.c</a:t>
+              <a:t>f_prac0</a:t>
+            </a:r>
+            <a:r>
+              <a:rPr lang="en-US" spc="-10" dirty="0"/>
+              <a:t>3</a:t>
+            </a:r>
+            <a:r>
+              <a:rPr spc="-10" dirty="0"/>
+              <a:t>.c</a:t>
             </a:r>
           </a:p>
         </p:txBody>
@@ -32777,7 +32899,7 @@
                     <a:srgbClr val="000000"/>
                   </a:solidFill>
                 </a:uFill>
-                <a:latin typeface="ＭＳ ゴシック"/>
+                <a:latin typeface="+mj-lt"/>
                 <a:cs typeface="ＭＳ ゴシック"/>
               </a:rPr>
               <a:t>0</a:t>
@@ -32839,7 +32961,15 @@
             </a:pPr>
             <a:r>
               <a:rPr spc="-10" dirty="0"/>
-              <a:t>f_prac05.c</a:t>
+              <a:t>f_prac0</a:t>
+            </a:r>
+            <a:r>
+              <a:rPr lang="en-US" spc="-10" dirty="0"/>
+              <a:t>3</a:t>
+            </a:r>
+            <a:r>
+              <a:rPr spc="-10" dirty="0"/>
+              <a:t>.c</a:t>
             </a:r>
           </a:p>
         </p:txBody>

--- a/授業資料/演習問題：ファイル処理.pptx
+++ b/授業資料/演習問題：ファイル処理.pptx
@@ -16293,7 +16293,7 @@
               <a:rPr lang="en-US" sz="4000" dirty="0">
                 <a:cs typeface="ＭＳ ゴシック"/>
               </a:rPr>
-              <a:t>,”</a:t>
+              <a:t>,”%</a:t>
             </a:r>
             <a:r>
               <a:rPr lang="en-US" sz="4000" dirty="0">
@@ -16308,7 +16308,7 @@
               <a:rPr lang="en-US" sz="4000" dirty="0">
                 <a:cs typeface="ＭＳ ゴシック"/>
               </a:rPr>
-              <a:t>,%d,</a:t>
+              <a:t>,%d,%</a:t>
             </a:r>
             <a:r>
               <a:rPr lang="en-US" altLang="ja-JP" sz="4000" dirty="0">
@@ -16342,18 +16342,6 @@
                 <a:cs typeface="ＭＳ ゴシック"/>
               </a:rPr>
               <a:t>,</a:t>
-            </a:r>
-            <a:r>
-              <a:rPr lang="ja-JP" altLang="en-US" sz="4000" dirty="0">
-                <a:cs typeface="ＭＳ ゴシック"/>
-              </a:rPr>
-              <a:t>・・・</a:t>
-            </a:r>
-            <a:r>
-              <a:rPr lang="en-US" sz="4000" dirty="0">
-                <a:cs typeface="ＭＳ ゴシック"/>
-              </a:rPr>
-              <a:t>)</a:t>
             </a:r>
             <a:endParaRPr sz="4000" dirty="0">
               <a:cs typeface="ＭＳ ゴシック"/>
@@ -21250,7 +21238,19 @@
               <a:rPr sz="3328" spc="-10" dirty="0">
                 <a:cs typeface="Century Gothic"/>
               </a:rPr>
-              <a:t>f_prac05.c</a:t>
+              <a:t>f_prac0</a:t>
+            </a:r>
+            <a:r>
+              <a:rPr lang="en-US" altLang="ja-JP" sz="3328" spc="-10" dirty="0">
+                <a:cs typeface="Century Gothic"/>
+              </a:rPr>
+              <a:t>3</a:t>
+            </a:r>
+            <a:r>
+              <a:rPr sz="3328" spc="-10" dirty="0">
+                <a:cs typeface="Century Gothic"/>
+              </a:rPr>
+              <a:t>.c</a:t>
             </a:r>
             <a:r>
               <a:rPr lang="ja-JP" altLang="en-US" sz="2912" spc="-42" dirty="0">

--- a/授業資料/演習問題：ファイル処理.pptx
+++ b/授業資料/演習問題：ファイル処理.pptx
@@ -6300,7 +6300,7 @@
         <p:spPr>
           <a:xfrm>
             <a:off x="2286000" y="4572000"/>
-            <a:ext cx="8771953" cy="1323439"/>
+            <a:ext cx="9358652" cy="1323439"/>
           </a:xfrm>
           <a:prstGeom prst="rect">
             <a:avLst/>
@@ -6342,6 +6342,16 @@
                 </a:solidFill>
               </a:rPr>
             </a:br>
+            <a:r>
+              <a:rPr lang="ja-JP" altLang="en-US" sz="4000" dirty="0">
+                <a:solidFill>
+                  <a:schemeClr val="accent4">
+                    <a:lumMod val="50000"/>
+                  </a:schemeClr>
+                </a:solidFill>
+              </a:rPr>
+              <a:t>ひとつの</a:t>
+            </a:r>
             <a:r>
               <a:rPr kumimoji="1" lang="ja-JP" altLang="en-US" sz="4000" dirty="0">
                 <a:solidFill>
@@ -6795,7 +6805,7 @@
         <p:spPr>
           <a:xfrm>
             <a:off x="1684731" y="4449297"/>
-            <a:ext cx="9151864" cy="1446550"/>
+            <a:ext cx="9597499" cy="1446550"/>
           </a:xfrm>
           <a:prstGeom prst="rect">
             <a:avLst/>
@@ -6814,7 +6824,7 @@
                   <a:srgbClr val="FF0000"/>
                 </a:solidFill>
               </a:rPr>
-              <a:t>[^</a:t>
+              <a:t>%[^</a:t>
             </a:r>
             <a:r>
               <a:rPr kumimoji="1" lang="ja-JP" altLang="en-US" sz="4000" dirty="0">
@@ -21343,6 +21353,11 @@
             <a:avLst/>
           </a:prstGeom>
           <a:noFill/>
+          <a:ln>
+            <a:solidFill>
+              <a:schemeClr val="tx1"/>
+            </a:solidFill>
+          </a:ln>
         </p:spPr>
         <p:txBody>
           <a:bodyPr wrap="none" rtlCol="0">
@@ -21980,6 +21995,12 @@
           <a:lstStyle/>
           <a:p>
             <a:r>
+              <a:rPr lang="ja-JP" altLang="en-US" sz="2496" dirty="0">
+                <a:ea typeface="ＭＳ ゴシック" panose="020B0609070205080204" pitchFamily="49" charset="-128"/>
+              </a:rPr>
+              <a:t>  </a:t>
+            </a:r>
+            <a:r>
               <a:rPr lang="en-US" altLang="ja-JP" sz="2496" dirty="0" err="1">
                 <a:ea typeface="ＭＳ ゴシック" panose="020B0609070205080204" pitchFamily="49" charset="-128"/>
               </a:rPr>
@@ -22006,6 +22027,12 @@
           </a:p>
           <a:p>
             <a:r>
+              <a:rPr lang="en-US" altLang="ja-JP" sz="2496" dirty="0">
+                <a:ea typeface="ＭＳ ゴシック" panose="020B0609070205080204" pitchFamily="49" charset="-128"/>
+              </a:rPr>
+              <a:t>  </a:t>
+            </a:r>
+            <a:r>
               <a:rPr lang="en-US" altLang="ja-JP" sz="2496" dirty="0" err="1">
                 <a:ea typeface="ＭＳ ゴシック" panose="020B0609070205080204" pitchFamily="49" charset="-128"/>
               </a:rPr>
@@ -22015,7 +22042,7 @@
               <a:rPr lang="en-US" altLang="ja-JP" sz="2496" dirty="0">
                 <a:ea typeface="ＭＳ ゴシック" panose="020B0609070205080204" pitchFamily="49" charset="-128"/>
               </a:rPr>
-              <a:t>(“%s”, name);		</a:t>
+              <a:t>(“%s”, name);	</a:t>
             </a:r>
             <a:r>
               <a:rPr lang="en-US" altLang="ja-JP" sz="2496" dirty="0">
@@ -22056,7 +22083,7 @@
               <a:rPr lang="en-US" altLang="ja-JP" sz="2496" dirty="0">
                 <a:ea typeface="ＭＳ ゴシック" panose="020B0609070205080204" pitchFamily="49" charset="-128"/>
               </a:rPr>
-              <a:t>while (1) {			</a:t>
+              <a:t>  while (1) {			</a:t>
             </a:r>
             <a:r>
               <a:rPr lang="en-US" altLang="ja-JP" sz="2496" dirty="0">
@@ -22097,7 +22124,7 @@
               <a:rPr lang="en-US" altLang="ja-JP" sz="2496" dirty="0">
                 <a:ea typeface="ＭＳ ゴシック" panose="020B0609070205080204" pitchFamily="49" charset="-128"/>
               </a:rPr>
-              <a:t>  </a:t>
+              <a:t>    </a:t>
             </a:r>
             <a:r>
               <a:rPr lang="en-US" altLang="ja-JP" sz="2496" dirty="0" err="1">
@@ -22188,7 +22215,7 @@
               <a:rPr lang="en-US" altLang="ja-JP" sz="2496" dirty="0">
                 <a:ea typeface="ＭＳ ゴシック" panose="020B0609070205080204" pitchFamily="49" charset="-128"/>
               </a:rPr>
-              <a:t>  </a:t>
+              <a:t>    </a:t>
             </a:r>
             <a:r>
               <a:rPr lang="en-US" altLang="ja-JP" sz="2496" dirty="0" err="1">
@@ -22213,6 +22240,18 @@
                 <a:ea typeface="ＭＳ ゴシック" panose="020B0609070205080204" pitchFamily="49" charset="-128"/>
               </a:rPr>
               <a:t>();	</a:t>
+            </a:r>
+            <a:r>
+              <a:rPr lang="ja-JP" altLang="en-US" sz="2496" dirty="0">
+                <a:ea typeface="ＭＳ ゴシック" panose="020B0609070205080204" pitchFamily="49" charset="-128"/>
+              </a:rPr>
+              <a:t>  </a:t>
+            </a:r>
+            <a:r>
+              <a:rPr lang="en-US" altLang="ja-JP" sz="2496" dirty="0">
+                <a:ea typeface="ＭＳ ゴシック" panose="020B0609070205080204" pitchFamily="49" charset="-128"/>
+              </a:rPr>
+              <a:t>	</a:t>
             </a:r>
             <a:r>
               <a:rPr lang="en-US" altLang="ja-JP" sz="2496" dirty="0">
@@ -22244,7 +22283,7 @@
               <a:rPr lang="en-US" altLang="ja-JP" sz="2496" dirty="0">
                 <a:ea typeface="ＭＳ ゴシック" panose="020B0609070205080204" pitchFamily="49" charset="-128"/>
               </a:rPr>
-              <a:t>  if (</a:t>
+              <a:t>    if (</a:t>
             </a:r>
             <a:r>
               <a:rPr lang="en-US" altLang="ja-JP" sz="2496" dirty="0" err="1">
@@ -22256,7 +22295,7 @@
               <a:rPr lang="en-US" altLang="ja-JP" sz="2496" dirty="0">
                 <a:ea typeface="ＭＳ ゴシック" panose="020B0609070205080204" pitchFamily="49" charset="-128"/>
               </a:rPr>
-              <a:t> == ‘e’) { </a:t>
+              <a:t> == ‘e’) {	</a:t>
             </a:r>
             <a:r>
               <a:rPr lang="en-US" altLang="ja-JP" sz="2496" dirty="0">
@@ -22306,7 +22345,7 @@
               <a:rPr lang="en-US" altLang="ja-JP" sz="2496" dirty="0">
                 <a:ea typeface="ＭＳ ゴシック" panose="020B0609070205080204" pitchFamily="49" charset="-128"/>
               </a:rPr>
-              <a:t>    break;	    </a:t>
+              <a:t>      break;	    		</a:t>
             </a:r>
             <a:r>
               <a:rPr lang="en-US" altLang="ja-JP" sz="2496" dirty="0">
@@ -22338,7 +22377,7 @@
               <a:rPr lang="en-US" altLang="ja-JP" sz="2496" dirty="0">
                 <a:ea typeface="ＭＳ ゴシック" panose="020B0609070205080204" pitchFamily="49" charset="-128"/>
               </a:rPr>
-              <a:t>  }</a:t>
+              <a:t>    }</a:t>
             </a:r>
           </a:p>
           <a:p>
@@ -22346,7 +22385,7 @@
               <a:rPr lang="en-US" altLang="ja-JP" sz="2496" dirty="0">
                 <a:ea typeface="ＭＳ ゴシック" panose="020B0609070205080204" pitchFamily="49" charset="-128"/>
               </a:rPr>
-              <a:t>  score++;	    </a:t>
+              <a:t>    score++;	    </a:t>
             </a:r>
             <a:r>
               <a:rPr lang="en-US" altLang="ja-JP" sz="2496" dirty="0">
@@ -22414,7 +22453,7 @@
               <a:rPr lang="en-US" altLang="ja-JP" sz="2496" dirty="0">
                 <a:ea typeface="ＭＳ ゴシック" panose="020B0609070205080204" pitchFamily="49" charset="-128"/>
               </a:rPr>
-              <a:t>}</a:t>
+              <a:t>  }</a:t>
             </a:r>
           </a:p>
         </p:txBody>
@@ -22525,7 +22564,7 @@
                 </a:solidFill>
                 <a:ea typeface="ＭＳ ゴシック" panose="020B0609070205080204" pitchFamily="49" charset="-128"/>
               </a:rPr>
-              <a:t>// score.txt</a:t>
+              <a:t>  // score.txt</a:t>
             </a:r>
             <a:r>
               <a:rPr lang="ja-JP" altLang="en-US" sz="2496" dirty="0">
@@ -22548,7 +22587,7 @@
               <a:rPr lang="en-US" altLang="ja-JP" sz="2496" dirty="0">
                 <a:ea typeface="ＭＳ ゴシック" panose="020B0609070205080204" pitchFamily="49" charset="-128"/>
               </a:rPr>
-              <a:t>if (</a:t>
+              <a:t>  if (</a:t>
             </a:r>
             <a:r>
               <a:rPr lang="en-US" altLang="ja-JP" sz="2496" dirty="0" err="1">
@@ -22583,7 +22622,7 @@
               <a:rPr lang="en-US" altLang="ja-JP" sz="2496" dirty="0">
                 <a:ea typeface="ＭＳ ゴシック" panose="020B0609070205080204" pitchFamily="49" charset="-128"/>
               </a:rPr>
-              <a:t>  </a:t>
+              <a:t>    </a:t>
             </a:r>
             <a:r>
               <a:rPr lang="en-US" altLang="ja-JP" sz="2496" dirty="0">
@@ -22625,7 +22664,7 @@
               <a:rPr lang="en-US" altLang="ja-JP" sz="2496" dirty="0">
                 <a:ea typeface="ＭＳ ゴシック" panose="020B0609070205080204" pitchFamily="49" charset="-128"/>
               </a:rPr>
-              <a:t>  </a:t>
+              <a:t>    </a:t>
             </a:r>
             <a:r>
               <a:rPr lang="en-US" altLang="ja-JP" sz="2496" dirty="0" err="1">
@@ -22669,7 +22708,7 @@
               <a:rPr lang="en-US" altLang="ja-JP" sz="2496" dirty="0">
                 <a:ea typeface="ＭＳ ゴシック" panose="020B0609070205080204" pitchFamily="49" charset="-128"/>
               </a:rPr>
-              <a:t>  </a:t>
+              <a:t>    </a:t>
             </a:r>
             <a:r>
               <a:rPr lang="en-US" altLang="ja-JP" sz="2496" dirty="0" err="1">
@@ -22735,7 +22774,7 @@
               <a:rPr lang="en-US" altLang="ja-JP" sz="2496" dirty="0">
                 <a:ea typeface="ＭＳ ゴシック" panose="020B0609070205080204" pitchFamily="49" charset="-128"/>
               </a:rPr>
-              <a:t>}</a:t>
+              <a:t>  }</a:t>
             </a:r>
           </a:p>
           <a:p>
@@ -22743,7 +22782,7 @@
               <a:rPr lang="en-US" altLang="ja-JP" sz="2496" dirty="0">
                 <a:ea typeface="ＭＳ ゴシック" panose="020B0609070205080204" pitchFamily="49" charset="-128"/>
               </a:rPr>
-              <a:t>else {	</a:t>
+              <a:t>  else {	</a:t>
             </a:r>
             <a:r>
               <a:rPr lang="en-US" altLang="ja-JP" sz="2496" dirty="0">
@@ -22775,7 +22814,7 @@
               <a:rPr lang="en-US" altLang="ja-JP" sz="2496" dirty="0">
                 <a:ea typeface="ＭＳ ゴシック" panose="020B0609070205080204" pitchFamily="49" charset="-128"/>
               </a:rPr>
-              <a:t>  </a:t>
+              <a:t>    </a:t>
             </a:r>
             <a:r>
               <a:rPr lang="en-US" altLang="ja-JP" sz="2496" dirty="0" err="1">
@@ -22810,7 +22849,7 @@
               <a:rPr lang="en-US" altLang="ja-JP" sz="2496" dirty="0">
                 <a:ea typeface="ＭＳ ゴシック" panose="020B0609070205080204" pitchFamily="49" charset="-128"/>
               </a:rPr>
-              <a:t>}</a:t>
+              <a:t>  }</a:t>
             </a:r>
             <a:endParaRPr sz="4576" dirty="0">
               <a:cs typeface="MS Gothic"/>
@@ -22900,7 +22939,7 @@
         <p:spPr>
           <a:xfrm>
             <a:off x="785942" y="1289126"/>
-            <a:ext cx="9766809" cy="3854133"/>
+            <a:ext cx="9766809" cy="4238213"/>
           </a:xfrm>
           <a:prstGeom prst="rect">
             <a:avLst/>
@@ -22924,7 +22963,7 @@
                 </a:solidFill>
                 <a:ea typeface="ＭＳ ゴシック" panose="020B0609070205080204" pitchFamily="49" charset="-128"/>
               </a:rPr>
-              <a:t>// score.txt</a:t>
+              <a:t>  // score.txt</a:t>
             </a:r>
             <a:r>
               <a:rPr lang="ja-JP" altLang="en-US" sz="2496" dirty="0">
@@ -22947,7 +22986,7 @@
               <a:rPr lang="en-US" altLang="ja-JP" sz="2496" dirty="0">
                 <a:ea typeface="ＭＳ ゴシック" panose="020B0609070205080204" pitchFamily="49" charset="-128"/>
               </a:rPr>
-              <a:t>if (</a:t>
+              <a:t>  if (</a:t>
             </a:r>
             <a:r>
               <a:rPr lang="en-US" altLang="ja-JP" sz="2496" dirty="0" err="1">
@@ -22982,7 +23021,7 @@
               <a:rPr lang="en-US" altLang="ja-JP" sz="2496" dirty="0">
                 <a:ea typeface="ＭＳ ゴシック" panose="020B0609070205080204" pitchFamily="49" charset="-128"/>
               </a:rPr>
-              <a:t>  </a:t>
+              <a:t>    </a:t>
             </a:r>
             <a:r>
               <a:rPr lang="en-US" altLang="ja-JP" sz="2496" dirty="0">
@@ -23024,7 +23063,7 @@
               <a:rPr lang="en-US" altLang="ja-JP" sz="2496" dirty="0">
                 <a:ea typeface="ＭＳ ゴシック" panose="020B0609070205080204" pitchFamily="49" charset="-128"/>
               </a:rPr>
-              <a:t>  </a:t>
+              <a:t>    </a:t>
             </a:r>
             <a:r>
               <a:rPr lang="en-US" altLang="ja-JP" sz="2496" dirty="0" err="1">
@@ -23068,7 +23107,7 @@
               <a:rPr lang="en-US" altLang="ja-JP" sz="2496" dirty="0">
                 <a:ea typeface="ＭＳ ゴシック" panose="020B0609070205080204" pitchFamily="49" charset="-128"/>
               </a:rPr>
-              <a:t>  </a:t>
+              <a:t>    </a:t>
             </a:r>
             <a:r>
               <a:rPr lang="en-US" altLang="ja-JP" sz="2496" dirty="0" err="1">
@@ -23134,7 +23173,7 @@
               <a:rPr lang="en-US" altLang="ja-JP" sz="2496" dirty="0">
                 <a:ea typeface="ＭＳ ゴシック" panose="020B0609070205080204" pitchFamily="49" charset="-128"/>
               </a:rPr>
-              <a:t>  </a:t>
+              <a:t>    </a:t>
             </a:r>
             <a:r>
               <a:rPr lang="en-US" altLang="ja-JP" sz="2496" dirty="0" err="1">
@@ -23169,7 +23208,7 @@
               <a:rPr lang="en-US" altLang="ja-JP" sz="2496" dirty="0">
                 <a:ea typeface="ＭＳ ゴシック" panose="020B0609070205080204" pitchFamily="49" charset="-128"/>
               </a:rPr>
-              <a:t>}</a:t>
+              <a:t>  }</a:t>
             </a:r>
           </a:p>
           <a:p>
@@ -23177,7 +23216,7 @@
               <a:rPr lang="en-US" altLang="ja-JP" sz="2496" dirty="0">
                 <a:ea typeface="ＭＳ ゴシック" panose="020B0609070205080204" pitchFamily="49" charset="-128"/>
               </a:rPr>
-              <a:t>else {	</a:t>
+              <a:t>  else {	</a:t>
             </a:r>
             <a:r>
               <a:rPr lang="en-US" altLang="ja-JP" sz="2496" dirty="0">
@@ -23209,7 +23248,7 @@
               <a:rPr lang="en-US" altLang="ja-JP" sz="2496" dirty="0">
                 <a:ea typeface="ＭＳ ゴシック" panose="020B0609070205080204" pitchFamily="49" charset="-128"/>
               </a:rPr>
-              <a:t>  </a:t>
+              <a:t>    </a:t>
             </a:r>
             <a:r>
               <a:rPr lang="en-US" altLang="ja-JP" sz="2496" dirty="0" err="1">
@@ -23244,9 +23283,47 @@
               <a:rPr lang="en-US" altLang="ja-JP" sz="2496" dirty="0">
                 <a:ea typeface="ＭＳ ゴシック" panose="020B0609070205080204" pitchFamily="49" charset="-128"/>
               </a:rPr>
+              <a:t>  }</a:t>
+            </a:r>
+            <a:br>
+              <a:rPr lang="en-US" altLang="ja-JP" sz="2496" dirty="0">
+                <a:ea typeface="ＭＳ ゴシック" panose="020B0609070205080204" pitchFamily="49" charset="-128"/>
+              </a:rPr>
+            </a:br>
+            <a:r>
+              <a:rPr lang="en-US" altLang="ja-JP" sz="2496" dirty="0">
+                <a:ea typeface="ＭＳ ゴシック" panose="020B0609070205080204" pitchFamily="49" charset="-128"/>
+              </a:rPr>
               <a:t>}</a:t>
             </a:r>
+            <a:r>
+              <a:rPr lang="ja-JP" altLang="en-US" sz="2496" dirty="0">
+                <a:ea typeface="ＭＳ ゴシック" panose="020B0609070205080204" pitchFamily="49" charset="-128"/>
+              </a:rPr>
+              <a:t> </a:t>
+            </a:r>
+            <a:r>
+              <a:rPr lang="en-US" altLang="ja-JP" sz="2496" dirty="0">
+                <a:solidFill>
+                  <a:srgbClr val="00B050"/>
+                </a:solidFill>
+                <a:ea typeface="ＭＳ ゴシック" panose="020B0609070205080204" pitchFamily="49" charset="-128"/>
+              </a:rPr>
+              <a:t>//main()</a:t>
+            </a:r>
+            <a:r>
+              <a:rPr lang="ja-JP" altLang="en-US" sz="2496" dirty="0">
+                <a:solidFill>
+                  <a:srgbClr val="00B050"/>
+                </a:solidFill>
+                <a:ea typeface="ＭＳ ゴシック" panose="020B0609070205080204" pitchFamily="49" charset="-128"/>
+              </a:rPr>
+              <a:t>の終わり</a:t>
+            </a:r>
             <a:endParaRPr sz="4576" dirty="0">
+              <a:solidFill>
+                <a:srgbClr val="00B050"/>
+              </a:solidFill>
               <a:cs typeface="MS Gothic"/>
             </a:endParaRPr>
           </a:p>

--- a/授業資料/演習問題：ファイル処理.pptx
+++ b/授業資料/演習問題：ファイル処理.pptx
@@ -346,7 +346,7 @@
           <a:p>
             <a:fld id="{1D8BD707-D9CF-40AE-B4C6-C98DA3205C09}" type="datetimeFigureOut">
               <a:rPr lang="en-US" smtClean="0"/>
-              <a:t>6/23/2025</a:t>
+              <a:t>6/24/2025</a:t>
             </a:fld>
             <a:endParaRPr lang="en-US"/>
           </a:p>
@@ -576,7 +576,7 @@
           <a:p>
             <a:fld id="{1D8BD707-D9CF-40AE-B4C6-C98DA3205C09}" type="datetimeFigureOut">
               <a:rPr lang="en-US" smtClean="0"/>
-              <a:t>6/23/2025</a:t>
+              <a:t>6/24/2025</a:t>
             </a:fld>
             <a:endParaRPr lang="en-US"/>
           </a:p>
@@ -816,7 +816,7 @@
           <a:p>
             <a:fld id="{1D8BD707-D9CF-40AE-B4C6-C98DA3205C09}" type="datetimeFigureOut">
               <a:rPr lang="en-US" smtClean="0"/>
-              <a:t>6/23/2025</a:t>
+              <a:t>6/24/2025</a:t>
             </a:fld>
             <a:endParaRPr lang="en-US"/>
           </a:p>
@@ -1073,7 +1073,7 @@
           <a:p>
             <a:fld id="{1D8BD707-D9CF-40AE-B4C6-C98DA3205C09}" type="datetimeFigureOut">
               <a:rPr lang="en-US"/>
-              <a:t>6/23/2025</a:t>
+              <a:t>6/24/2025</a:t>
             </a:fld>
             <a:endParaRPr lang="en-US"/>
           </a:p>
@@ -1273,7 +1273,7 @@
           <a:p>
             <a:fld id="{1D8BD707-D9CF-40AE-B4C6-C98DA3205C09}" type="datetimeFigureOut">
               <a:rPr lang="en-US"/>
-              <a:t>6/23/2025</a:t>
+              <a:t>6/24/2025</a:t>
             </a:fld>
             <a:endParaRPr lang="en-US"/>
           </a:p>
@@ -1397,7 +1397,7 @@
           <a:p>
             <a:fld id="{1D8BD707-D9CF-40AE-B4C6-C98DA3205C09}" type="datetimeFigureOut">
               <a:rPr lang="en-US"/>
-              <a:t>6/23/2025</a:t>
+              <a:t>6/24/2025</a:t>
             </a:fld>
             <a:endParaRPr lang="en-US"/>
           </a:p>
@@ -1605,7 +1605,7 @@
           <a:p>
             <a:fld id="{1D8BD707-D9CF-40AE-B4C6-C98DA3205C09}" type="datetimeFigureOut">
               <a:rPr lang="en-US" smtClean="0"/>
-              <a:t>6/23/2025</a:t>
+              <a:t>6/24/2025</a:t>
             </a:fld>
             <a:endParaRPr lang="en-US"/>
           </a:p>
@@ -1880,7 +1880,7 @@
           <a:p>
             <a:fld id="{1D8BD707-D9CF-40AE-B4C6-C98DA3205C09}" type="datetimeFigureOut">
               <a:rPr lang="en-US" smtClean="0"/>
-              <a:t>6/23/2025</a:t>
+              <a:t>6/24/2025</a:t>
             </a:fld>
             <a:endParaRPr lang="en-US"/>
           </a:p>
@@ -2209,7 +2209,7 @@
           <a:p>
             <a:fld id="{1D8BD707-D9CF-40AE-B4C6-C98DA3205C09}" type="datetimeFigureOut">
               <a:rPr lang="en-US" smtClean="0"/>
-              <a:t>6/23/2025</a:t>
+              <a:t>6/24/2025</a:t>
             </a:fld>
             <a:endParaRPr lang="en-US"/>
           </a:p>
@@ -2685,7 +2685,7 @@
           <a:p>
             <a:fld id="{1D8BD707-D9CF-40AE-B4C6-C98DA3205C09}" type="datetimeFigureOut">
               <a:rPr lang="en-US" smtClean="0"/>
-              <a:t>6/23/2025</a:t>
+              <a:t>6/24/2025</a:t>
             </a:fld>
             <a:endParaRPr lang="en-US"/>
           </a:p>
@@ -2826,7 +2826,7 @@
           <a:p>
             <a:fld id="{1D8BD707-D9CF-40AE-B4C6-C98DA3205C09}" type="datetimeFigureOut">
               <a:rPr lang="en-US" smtClean="0"/>
-              <a:t>6/23/2025</a:t>
+              <a:t>6/24/2025</a:t>
             </a:fld>
             <a:endParaRPr lang="en-US"/>
           </a:p>
@@ -2939,7 +2939,7 @@
           <a:p>
             <a:fld id="{1D8BD707-D9CF-40AE-B4C6-C98DA3205C09}" type="datetimeFigureOut">
               <a:rPr lang="en-US" smtClean="0"/>
-              <a:t>6/23/2025</a:t>
+              <a:t>6/24/2025</a:t>
             </a:fld>
             <a:endParaRPr lang="en-US"/>
           </a:p>
@@ -3282,7 +3282,7 @@
           <a:p>
             <a:fld id="{1D8BD707-D9CF-40AE-B4C6-C98DA3205C09}" type="datetimeFigureOut">
               <a:rPr lang="en-US" smtClean="0"/>
-              <a:t>6/23/2025</a:t>
+              <a:t>6/24/2025</a:t>
             </a:fld>
             <a:endParaRPr lang="en-US"/>
           </a:p>
@@ -3586,7 +3586,7 @@
           <a:p>
             <a:fld id="{1D8BD707-D9CF-40AE-B4C6-C98DA3205C09}" type="datetimeFigureOut">
               <a:rPr lang="en-US" smtClean="0"/>
-              <a:t>6/23/2025</a:t>
+              <a:t>6/24/2025</a:t>
             </a:fld>
             <a:endParaRPr lang="en-US"/>
           </a:p>
@@ -3859,7 +3859,7 @@
           <a:p>
             <a:fld id="{1D8BD707-D9CF-40AE-B4C6-C98DA3205C09}" type="datetimeFigureOut">
               <a:rPr lang="en-US" smtClean="0"/>
-              <a:t>6/23/2025</a:t>
+              <a:t>6/24/2025</a:t>
             </a:fld>
             <a:endParaRPr lang="en-US"/>
           </a:p>
@@ -11337,7 +11337,7 @@
         <p:spPr>
           <a:xfrm>
             <a:off x="400816" y="1097652"/>
-            <a:ext cx="10748245" cy="4865403"/>
+            <a:ext cx="10748245" cy="3814667"/>
           </a:xfrm>
           <a:prstGeom prst="rect">
             <a:avLst/>
@@ -11609,44 +11609,6 @@
               <a:t>);</a:t>
             </a:r>
             <a:endParaRPr sz="3744" dirty="0">
-              <a:cs typeface="ＭＳ ゴシック"/>
-            </a:endParaRPr>
-          </a:p>
-          <a:p>
-            <a:pPr marL="266827">
-              <a:spcBef>
-                <a:spcPts val="4238"/>
-              </a:spcBef>
-            </a:pPr>
-            <a:r>
-              <a:rPr sz="3328" spc="-5" dirty="0">
-                <a:latin typeface="ＭＳ ゴシック"/>
-                <a:cs typeface="ＭＳ ゴシック"/>
-              </a:rPr>
-              <a:t>※どちらも</a:t>
-            </a:r>
-            <a:r>
-              <a:rPr sz="3328" b="1" spc="-10" dirty="0">
-                <a:cs typeface="Century Gothic"/>
-              </a:rPr>
-              <a:t>main</a:t>
-            </a:r>
-            <a:r>
-              <a:rPr sz="3328" b="1" spc="-31" dirty="0">
-                <a:latin typeface="ＭＳ ゴシック"/>
-                <a:cs typeface="ＭＳ ゴシック"/>
-              </a:rPr>
-              <a:t>関数</a:t>
-            </a:r>
-            <a:r>
-              <a:rPr sz="3328" spc="-21" dirty="0">
-                <a:latin typeface="ＭＳ ゴシック"/>
-                <a:cs typeface="ＭＳ ゴシック"/>
-              </a:rPr>
-              <a:t>の中で宣言します</a:t>
-            </a:r>
-            <a:endParaRPr sz="3328" dirty="0">
-              <a:latin typeface="ＭＳ ゴシック"/>
               <a:cs typeface="ＭＳ ゴシック"/>
             </a:endParaRPr>
           </a:p>
@@ -12721,10 +12683,22 @@
               <a:t> </a:t>
             </a:r>
             <a:r>
+              <a:rPr lang="en-US" sz="3328" dirty="0" err="1">
+                <a:cs typeface="ＭＳ ゴシック"/>
+              </a:rPr>
+              <a:t>se</a:t>
+            </a:r>
+            <a:r>
+              <a:rPr sz="3328" dirty="0" err="1">
+                <a:cs typeface="ＭＳ ゴシック"/>
+              </a:rPr>
+              <a:t>tMap</a:t>
+            </a:r>
+            <a:r>
               <a:rPr sz="3328" dirty="0">
                 <a:cs typeface="ＭＳ ゴシック"/>
               </a:rPr>
-              <a:t>SetMap(</a:t>
+              <a:t>(</a:t>
             </a:r>
             <a:r>
               <a:rPr sz="3328" dirty="0">
@@ -12851,13 +12825,19 @@
               <a:t> </a:t>
             </a:r>
             <a:r>
-              <a:rPr sz="2912" spc="-21" dirty="0">
-                <a:cs typeface="ＭＳ ゴシック"/>
-              </a:rPr>
-              <a:t>SetMap</a:t>
-            </a:r>
-            <a:r>
-              <a:rPr sz="2912" spc="-36" dirty="0">
+              <a:rPr lang="en-US" sz="2912" spc="-21" dirty="0" err="1">
+                <a:cs typeface="ＭＳ ゴシック"/>
+              </a:rPr>
+              <a:t>se</a:t>
+            </a:r>
+            <a:r>
+              <a:rPr sz="2912" spc="-21" dirty="0" err="1">
+                <a:cs typeface="ＭＳ ゴシック"/>
+              </a:rPr>
+              <a:t>tMap</a:t>
+            </a:r>
+            <a:r>
+              <a:rPr sz="2912" spc="-36" dirty="0" err="1">
                 <a:latin typeface="ＭＳ ゴシック"/>
                 <a:cs typeface="ＭＳ ゴシック"/>
               </a:rPr>
@@ -12907,7 +12887,7 @@
               </a:spcBef>
             </a:pPr>
             <a:r>
-              <a:rPr sz="3328" b="1" spc="-26" dirty="0">
+              <a:rPr sz="3328" b="1" spc="-26" dirty="0" err="1">
                 <a:solidFill>
                   <a:srgbClr val="2583C5"/>
                 </a:solidFill>
@@ -12917,14 +12897,14 @@
               <a:t>第一引数</a:t>
             </a:r>
             <a:r>
-              <a:rPr sz="2912" spc="-36" dirty="0">
+              <a:rPr sz="2912" spc="-36" dirty="0" err="1">
                 <a:latin typeface="ＭＳ ゴシック"/>
                 <a:cs typeface="ＭＳ ゴシック"/>
               </a:rPr>
               <a:t>は選択されたマップの</a:t>
             </a:r>
             <a:r>
-              <a:rPr sz="3328" b="1" spc="-42" dirty="0">
+              <a:rPr sz="3328" b="1" spc="-42" dirty="0" err="1">
                 <a:solidFill>
                   <a:srgbClr val="00B0F0"/>
                 </a:solidFill>
@@ -12933,45 +12913,13 @@
               </a:rPr>
               <a:t>ファイル名</a:t>
             </a:r>
-            <a:r>
-              <a:rPr sz="3328" spc="-10" dirty="0">
-                <a:latin typeface="Century Gothic"/>
-                <a:cs typeface="Century Gothic"/>
-              </a:rPr>
-              <a:t>([0]</a:t>
-            </a:r>
-            <a:r>
-              <a:rPr sz="3328" spc="-10" dirty="0">
+            <a:br>
+              <a:rPr lang="en-US" altLang="ja-JP" sz="3328" b="1" spc="-42" dirty="0">
+                <a:solidFill>
+                  <a:srgbClr val="00B0F0"/>
+                </a:solidFill>
                 <a:latin typeface="ＭＳ ゴシック"/>
                 <a:cs typeface="ＭＳ ゴシック"/>
-              </a:rPr>
-              <a:t>～</a:t>
-            </a:r>
-            <a:r>
-              <a:rPr sz="3328" spc="-10" dirty="0">
-                <a:latin typeface="Century Gothic"/>
-                <a:cs typeface="Century Gothic"/>
-              </a:rPr>
-              <a:t>[2]</a:t>
-            </a:r>
-            <a:r>
-              <a:rPr sz="3328" spc="-36" dirty="0" err="1">
-                <a:latin typeface="ＭＳ ゴシック"/>
-                <a:cs typeface="ＭＳ ゴシック"/>
-              </a:rPr>
-              <a:t>の指定</a:t>
-            </a:r>
-            <a:r>
-              <a:rPr sz="3328" spc="-52" dirty="0">
-                <a:latin typeface="Century Gothic"/>
-                <a:cs typeface="Century Gothic"/>
-              </a:rPr>
-              <a:t>)</a:t>
-            </a:r>
-            <a:br>
-              <a:rPr lang="en-US" sz="3328" spc="-52" dirty="0">
-                <a:latin typeface="Century Gothic"/>
-                <a:cs typeface="Century Gothic"/>
               </a:rPr>
             </a:br>
             <a:r>

--- a/授業資料/演習問題：ファイル処理.pptx
+++ b/授業資料/演習問題：ファイル処理.pptx
@@ -346,7 +346,7 @@
           <a:p>
             <a:fld id="{1D8BD707-D9CF-40AE-B4C6-C98DA3205C09}" type="datetimeFigureOut">
               <a:rPr lang="en-US" smtClean="0"/>
-              <a:t>6/24/2025</a:t>
+              <a:t>6/27/2025</a:t>
             </a:fld>
             <a:endParaRPr lang="en-US"/>
           </a:p>
@@ -576,7 +576,7 @@
           <a:p>
             <a:fld id="{1D8BD707-D9CF-40AE-B4C6-C98DA3205C09}" type="datetimeFigureOut">
               <a:rPr lang="en-US" smtClean="0"/>
-              <a:t>6/24/2025</a:t>
+              <a:t>6/27/2025</a:t>
             </a:fld>
             <a:endParaRPr lang="en-US"/>
           </a:p>
@@ -816,7 +816,7 @@
           <a:p>
             <a:fld id="{1D8BD707-D9CF-40AE-B4C6-C98DA3205C09}" type="datetimeFigureOut">
               <a:rPr lang="en-US" smtClean="0"/>
-              <a:t>6/24/2025</a:t>
+              <a:t>6/27/2025</a:t>
             </a:fld>
             <a:endParaRPr lang="en-US"/>
           </a:p>
@@ -1073,7 +1073,7 @@
           <a:p>
             <a:fld id="{1D8BD707-D9CF-40AE-B4C6-C98DA3205C09}" type="datetimeFigureOut">
               <a:rPr lang="en-US"/>
-              <a:t>6/24/2025</a:t>
+              <a:t>6/27/2025</a:t>
             </a:fld>
             <a:endParaRPr lang="en-US"/>
           </a:p>
@@ -1273,7 +1273,7 @@
           <a:p>
             <a:fld id="{1D8BD707-D9CF-40AE-B4C6-C98DA3205C09}" type="datetimeFigureOut">
               <a:rPr lang="en-US"/>
-              <a:t>6/24/2025</a:t>
+              <a:t>6/27/2025</a:t>
             </a:fld>
             <a:endParaRPr lang="en-US"/>
           </a:p>
@@ -1397,7 +1397,7 @@
           <a:p>
             <a:fld id="{1D8BD707-D9CF-40AE-B4C6-C98DA3205C09}" type="datetimeFigureOut">
               <a:rPr lang="en-US"/>
-              <a:t>6/24/2025</a:t>
+              <a:t>6/27/2025</a:t>
             </a:fld>
             <a:endParaRPr lang="en-US"/>
           </a:p>
@@ -1605,7 +1605,7 @@
           <a:p>
             <a:fld id="{1D8BD707-D9CF-40AE-B4C6-C98DA3205C09}" type="datetimeFigureOut">
               <a:rPr lang="en-US" smtClean="0"/>
-              <a:t>6/24/2025</a:t>
+              <a:t>6/27/2025</a:t>
             </a:fld>
             <a:endParaRPr lang="en-US"/>
           </a:p>
@@ -1880,7 +1880,7 @@
           <a:p>
             <a:fld id="{1D8BD707-D9CF-40AE-B4C6-C98DA3205C09}" type="datetimeFigureOut">
               <a:rPr lang="en-US" smtClean="0"/>
-              <a:t>6/24/2025</a:t>
+              <a:t>6/27/2025</a:t>
             </a:fld>
             <a:endParaRPr lang="en-US"/>
           </a:p>
@@ -2209,7 +2209,7 @@
           <a:p>
             <a:fld id="{1D8BD707-D9CF-40AE-B4C6-C98DA3205C09}" type="datetimeFigureOut">
               <a:rPr lang="en-US" smtClean="0"/>
-              <a:t>6/24/2025</a:t>
+              <a:t>6/27/2025</a:t>
             </a:fld>
             <a:endParaRPr lang="en-US"/>
           </a:p>
@@ -2685,7 +2685,7 @@
           <a:p>
             <a:fld id="{1D8BD707-D9CF-40AE-B4C6-C98DA3205C09}" type="datetimeFigureOut">
               <a:rPr lang="en-US" smtClean="0"/>
-              <a:t>6/24/2025</a:t>
+              <a:t>6/27/2025</a:t>
             </a:fld>
             <a:endParaRPr lang="en-US"/>
           </a:p>
@@ -2826,7 +2826,7 @@
           <a:p>
             <a:fld id="{1D8BD707-D9CF-40AE-B4C6-C98DA3205C09}" type="datetimeFigureOut">
               <a:rPr lang="en-US" smtClean="0"/>
-              <a:t>6/24/2025</a:t>
+              <a:t>6/27/2025</a:t>
             </a:fld>
             <a:endParaRPr lang="en-US"/>
           </a:p>
@@ -2939,7 +2939,7 @@
           <a:p>
             <a:fld id="{1D8BD707-D9CF-40AE-B4C6-C98DA3205C09}" type="datetimeFigureOut">
               <a:rPr lang="en-US" smtClean="0"/>
-              <a:t>6/24/2025</a:t>
+              <a:t>6/27/2025</a:t>
             </a:fld>
             <a:endParaRPr lang="en-US"/>
           </a:p>
@@ -3282,7 +3282,7 @@
           <a:p>
             <a:fld id="{1D8BD707-D9CF-40AE-B4C6-C98DA3205C09}" type="datetimeFigureOut">
               <a:rPr lang="en-US" smtClean="0"/>
-              <a:t>6/24/2025</a:t>
+              <a:t>6/27/2025</a:t>
             </a:fld>
             <a:endParaRPr lang="en-US"/>
           </a:p>
@@ -3586,7 +3586,7 @@
           <a:p>
             <a:fld id="{1D8BD707-D9CF-40AE-B4C6-C98DA3205C09}" type="datetimeFigureOut">
               <a:rPr lang="en-US" smtClean="0"/>
-              <a:t>6/24/2025</a:t>
+              <a:t>6/27/2025</a:t>
             </a:fld>
             <a:endParaRPr lang="en-US"/>
           </a:p>
@@ -3859,7 +3859,7 @@
           <a:p>
             <a:fld id="{1D8BD707-D9CF-40AE-B4C6-C98DA3205C09}" type="datetimeFigureOut">
               <a:rPr lang="en-US" smtClean="0"/>
-              <a:t>6/24/2025</a:t>
+              <a:t>6/27/2025</a:t>
             </a:fld>
             <a:endParaRPr lang="en-US"/>
           </a:p>
@@ -4694,7 +4694,7 @@
         </p:nvSpPr>
         <p:spPr>
           <a:xfrm>
-            <a:off x="833627" y="4495800"/>
+            <a:off x="833627" y="4666488"/>
             <a:ext cx="10980420" cy="1277112"/>
           </a:xfrm>
           <a:custGeom>
@@ -4809,7 +4809,7 @@
         <p:spPr>
           <a:xfrm>
             <a:off x="767892" y="1334990"/>
-            <a:ext cx="6146800" cy="4284345"/>
+            <a:ext cx="6146800" cy="4405052"/>
           </a:xfrm>
           <a:prstGeom prst="rect">
             <a:avLst/>
@@ -4840,14 +4840,7 @@
               <a:t>▶ </a:t>
             </a:r>
             <a:r>
-              <a:rPr sz="2800" spc="-35" dirty="0">
-                <a:latin typeface="+mn-ea"/>
-                <a:cs typeface="ＭＳ ゴシック"/>
-              </a:rPr>
-              <a:t>構造体のメンバに</a:t>
-            </a:r>
-            <a:r>
-              <a:rPr sz="2800" b="1" u="sng" spc="-35" dirty="0">
+              <a:rPr sz="2800" b="1" u="sng" spc="-35" dirty="0" err="1">
                 <a:uFill>
                   <a:solidFill>
                     <a:srgbClr val="000000"/>
@@ -4857,32 +4850,6 @@
                 <a:cs typeface="ＭＳ ゴシック"/>
               </a:rPr>
               <a:t>ファイルから</a:t>
-            </a:r>
-            <a:endParaRPr sz="2800" dirty="0">
-              <a:latin typeface="+mn-ea"/>
-              <a:cs typeface="ＭＳ ゴシック"/>
-            </a:endParaRPr>
-          </a:p>
-          <a:p>
-            <a:pPr marL="469900" marR="5080" indent="-100965">
-              <a:lnSpc>
-                <a:spcPts val="4380"/>
-              </a:lnSpc>
-              <a:spcBef>
-                <a:spcPts val="254"/>
-              </a:spcBef>
-            </a:pPr>
-            <a:r>
-              <a:rPr sz="2800" b="1" u="sng" spc="-130" dirty="0">
-                <a:uFill>
-                  <a:solidFill>
-                    <a:srgbClr val="000000"/>
-                  </a:solidFill>
-                </a:uFill>
-                <a:latin typeface="+mn-ea"/>
-                <a:cs typeface="ＭＳ ゴシック"/>
-              </a:rPr>
-              <a:t> </a:t>
             </a:r>
             <a:r>
               <a:rPr sz="2800" b="1" u="sng" spc="-30" dirty="0" err="1">
@@ -4894,14 +4861,63 @@
                 <a:latin typeface="+mn-ea"/>
                 <a:cs typeface="ＭＳ ゴシック"/>
               </a:rPr>
-              <a:t>読み取ったステータス</a:t>
+              <a:t>読み取った</a:t>
+            </a:r>
+            <a:br>
+              <a:rPr lang="en-US" altLang="ja-JP" sz="2800" b="1" u="sng" spc="-30" dirty="0">
+                <a:uFill>
+                  <a:solidFill>
+                    <a:srgbClr val="000000"/>
+                  </a:solidFill>
+                </a:uFill>
+                <a:latin typeface="+mn-ea"/>
+                <a:cs typeface="ＭＳ ゴシック"/>
+              </a:rPr>
+            </a:br>
+            <a:r>
+              <a:rPr lang="ja-JP" altLang="en-US" sz="2800" b="1" spc="-30" dirty="0">
+                <a:uFill>
+                  <a:solidFill>
+                    <a:srgbClr val="000000"/>
+                  </a:solidFill>
+                </a:uFill>
+                <a:latin typeface="+mn-ea"/>
+                <a:cs typeface="ＭＳ ゴシック"/>
+              </a:rPr>
+              <a:t>　　</a:t>
+            </a:r>
+            <a:r>
+              <a:rPr sz="2800" b="1" u="sng" spc="-30" dirty="0" err="1">
+                <a:uFill>
+                  <a:solidFill>
+                    <a:srgbClr val="000000"/>
+                  </a:solidFill>
+                </a:uFill>
+                <a:latin typeface="+mn-ea"/>
+                <a:cs typeface="ＭＳ ゴシック"/>
+              </a:rPr>
+              <a:t>ステータス</a:t>
             </a:r>
             <a:r>
               <a:rPr sz="2800" u="none" spc="-165" dirty="0" err="1">
                 <a:latin typeface="+mn-ea"/>
                 <a:cs typeface="ＭＳ ゴシック"/>
               </a:rPr>
-              <a:t>をセットし</a:t>
+              <a:t>を</a:t>
+            </a:r>
+            <a:r>
+              <a:rPr lang="ja-JP" altLang="en-US" sz="2800" spc="-165" dirty="0">
+                <a:latin typeface="+mn-ea"/>
+                <a:cs typeface="ＭＳ ゴシック"/>
+              </a:rPr>
+              <a:t>変数や配列に</a:t>
+            </a:r>
+            <a:r>
+              <a:rPr sz="2800" u="none" spc="-165" dirty="0" err="1">
+                <a:latin typeface="+mn-ea"/>
+                <a:cs typeface="ＭＳ ゴシック"/>
+              </a:rPr>
+              <a:t>セットし</a:t>
             </a:r>
             <a:r>
               <a:rPr sz="2800" u="none" spc="-165" dirty="0">
@@ -4917,13 +4933,41 @@
               </a:rPr>
             </a:br>
             <a:r>
+              <a:rPr lang="ja-JP" altLang="en-US" sz="2800" u="none" spc="-165" dirty="0">
+                <a:latin typeface="+mn-ea"/>
+                <a:cs typeface="ＭＳ ゴシック"/>
+              </a:rPr>
+              <a:t>　　</a:t>
+            </a:r>
+            <a:r>
+              <a:rPr lang="ja-JP" altLang="en-US" sz="2800" u="none" spc="-35" dirty="0">
+                <a:latin typeface="+mn-ea"/>
+                <a:cs typeface="ＭＳ ゴシック"/>
+              </a:rPr>
+              <a:t>画面上</a:t>
+            </a:r>
+            <a:r>
               <a:rPr sz="2800" u="none" spc="-35" dirty="0" err="1">
                 <a:latin typeface="+mn-ea"/>
                 <a:cs typeface="ＭＳ ゴシック"/>
               </a:rPr>
-              <a:t>実行結果に表示させる</a:t>
-            </a:r>
-            <a:endParaRPr sz="2800" dirty="0">
+              <a:t>に表示</a:t>
+            </a:r>
+            <a:r>
+              <a:rPr lang="ja-JP" altLang="en-US" sz="2800" spc="-35" dirty="0">
+                <a:latin typeface="+mn-ea"/>
+                <a:cs typeface="ＭＳ ゴシック"/>
+              </a:rPr>
+              <a:t>す</a:t>
+            </a:r>
+            <a:r>
+              <a:rPr sz="2800" u="none" spc="-35" dirty="0">
+                <a:latin typeface="+mn-ea"/>
+                <a:cs typeface="ＭＳ ゴシック"/>
+              </a:rPr>
+              <a:t>る</a:t>
+            </a:r>
+            <a:endParaRPr lang="ja-JP" altLang="en-US" sz="2800" dirty="0">
               <a:latin typeface="+mn-ea"/>
               <a:cs typeface="ＭＳ ゴシック"/>
             </a:endParaRPr>
@@ -4937,7 +4981,13 @@
                 <a:spcPts val="2425"/>
               </a:spcBef>
             </a:pPr>
-            <a:endParaRPr sz="2800" dirty="0">
+            <a:br>
+              <a:rPr lang="en-US" altLang="ja-JP" sz="2800" dirty="0">
+                <a:latin typeface="+mn-ea"/>
+                <a:cs typeface="ＭＳ ゴシック"/>
+              </a:rPr>
+            </a:br>
+            <a:endParaRPr lang="ja-JP" altLang="en-US" sz="2800" dirty="0">
               <a:latin typeface="+mn-ea"/>
               <a:cs typeface="ＭＳ ゴシック"/>
             </a:endParaRPr>
@@ -4949,7 +4999,7 @@
               </a:lnSpc>
             </a:pPr>
             <a:r>
-              <a:rPr sz="2800" spc="-40" dirty="0">
+              <a:rPr sz="2800" spc="-40" dirty="0" err="1">
                 <a:latin typeface="+mn-ea"/>
                 <a:cs typeface="ＭＳ ゴシック"/>
               </a:rPr>
@@ -10519,7 +10569,7 @@
               <a:t>	</a:t>
             </a:r>
             <a:r>
-              <a:rPr lang="en-US" sz="3744" dirty="0">
+              <a:rPr lang="en-US" sz="3744">
                 <a:solidFill>
                   <a:srgbClr val="0000FF"/>
                 </a:solidFill>
@@ -10528,10 +10578,10 @@
               <a:t> </a:t>
             </a:r>
             <a:r>
-              <a:rPr sz="3744" spc="-10" dirty="0" err="1">
-                <a:cs typeface="ＭＳ ゴシック"/>
-              </a:rPr>
-              <a:t>m_map</a:t>
+              <a:rPr sz="3744" spc="-10">
+                <a:cs typeface="ＭＳ ゴシック"/>
+              </a:rPr>
+              <a:t>map</a:t>
             </a:r>
             <a:r>
               <a:rPr sz="3744" spc="-10" dirty="0">
@@ -13688,13 +13738,20 @@
               <a:t> </a:t>
             </a:r>
             <a:r>
-              <a:rPr sz="2912" spc="-21" dirty="0">
-                <a:cs typeface="ＭＳ ゴシック"/>
-              </a:rPr>
-              <a:t>SetMap</a:t>
-            </a:r>
-            <a:r>
-              <a:rPr sz="2912" spc="-36" dirty="0">
+              <a:rPr lang="ja-JP" altLang="en-US" sz="2912" spc="-21" dirty="0">
+                <a:latin typeface="ＭＳ ゴシック"/>
+                <a:cs typeface="ＭＳ ゴシック"/>
+              </a:rPr>
+              <a:t>ｓ</a:t>
+            </a:r>
+            <a:r>
+              <a:rPr sz="2912" spc="-21" dirty="0" err="1">
+                <a:cs typeface="ＭＳ ゴシック"/>
+              </a:rPr>
+              <a:t>etMap</a:t>
+            </a:r>
+            <a:r>
+              <a:rPr sz="2912" spc="-36" dirty="0" err="1">
                 <a:latin typeface="ＭＳ ゴシック"/>
                 <a:cs typeface="ＭＳ ゴシック"/>
               </a:rPr>
@@ -13852,17 +13909,59 @@
               <a:t>①</a:t>
             </a:r>
             <a:r>
-              <a:rPr sz="3744" b="1" spc="-10" dirty="0">
+              <a:rPr sz="3744" b="1" spc="-10" dirty="0" err="1">
                 <a:cs typeface="Century Gothic"/>
               </a:rPr>
               <a:t>fgetc</a:t>
             </a:r>
             <a:r>
-              <a:rPr sz="2912" spc="-42" dirty="0">
+              <a:rPr sz="2912" spc="-42" dirty="0" err="1">
                 <a:latin typeface="ＭＳ ゴシック"/>
                 <a:cs typeface="ＭＳ ゴシック"/>
               </a:rPr>
-              <a:t>でファイルの終端まで一文字読み取り</a:t>
+              <a:t>で</a:t>
+            </a:r>
+            <a:r>
+              <a:rPr lang="ja-JP" altLang="en-US" sz="2912" spc="-42" dirty="0">
+                <a:latin typeface="ＭＳ ゴシック"/>
+                <a:cs typeface="ＭＳ ゴシック"/>
+              </a:rPr>
+              <a:t>行末</a:t>
+            </a:r>
+            <a:r>
+              <a:rPr sz="2912" spc="-42" dirty="0" err="1">
+                <a:latin typeface="ＭＳ ゴシック"/>
+                <a:cs typeface="ＭＳ ゴシック"/>
+              </a:rPr>
+              <a:t>まで一文字</a:t>
+            </a:r>
+            <a:r>
+              <a:rPr lang="ja-JP" altLang="en-US" sz="2912" spc="-42" dirty="0" err="1">
+                <a:latin typeface="ＭＳ ゴシック"/>
+                <a:cs typeface="ＭＳ ゴシック"/>
+              </a:rPr>
+              <a:t>ずつ</a:t>
+            </a:r>
+            <a:r>
+              <a:rPr sz="2912" spc="-42" dirty="0" err="1">
+                <a:latin typeface="ＭＳ ゴシック"/>
+                <a:cs typeface="ＭＳ ゴシック"/>
+              </a:rPr>
+              <a:t>読み取</a:t>
+            </a:r>
+            <a:r>
+              <a:rPr lang="ja-JP" altLang="en-US" sz="2912" spc="-42" dirty="0" err="1">
+                <a:latin typeface="ＭＳ ゴシック"/>
+                <a:cs typeface="ＭＳ ゴシック"/>
+              </a:rPr>
+              <a:t>って</a:t>
+            </a:r>
+            <a:r>
+              <a:rPr lang="ja-JP" altLang="en-US" sz="2912" spc="-42" dirty="0">
+                <a:latin typeface="ＭＳ ゴシック"/>
+                <a:cs typeface="ＭＳ ゴシック"/>
+              </a:rPr>
+              <a:t>いく</a:t>
             </a:r>
             <a:endParaRPr sz="2912" dirty="0">
               <a:latin typeface="ＭＳ ゴシック"/>
@@ -13876,43 +13975,58 @@
               </a:spcBef>
             </a:pPr>
             <a:r>
-              <a:rPr sz="3744" b="1" spc="-10" dirty="0">
+              <a:rPr lang="ja-JP" altLang="en-US" sz="3744" b="1" spc="-10" dirty="0">
+                <a:cs typeface="Century Gothic"/>
+              </a:rPr>
+              <a:t>→</a:t>
+            </a:r>
+            <a:r>
+              <a:rPr lang="ja-JP" altLang="en-US" sz="3744" b="1" spc="-10" dirty="0">
                 <a:solidFill>
                   <a:srgbClr val="1385A3"/>
                 </a:solidFill>
                 <a:cs typeface="Century Gothic"/>
               </a:rPr>
+              <a:t>　</a:t>
+            </a:r>
+            <a:r>
+              <a:rPr sz="3744" b="1" spc="-10" dirty="0" err="1">
+                <a:solidFill>
+                  <a:srgbClr val="1385A3"/>
+                </a:solidFill>
+                <a:cs typeface="Century Gothic"/>
+              </a:rPr>
               <a:t>char</a:t>
             </a:r>
             <a:r>
-              <a:rPr sz="3744" spc="-10" dirty="0">
+              <a:rPr sz="3744" spc="-10" dirty="0" err="1">
                 <a:latin typeface="ＭＳ ゴシック"/>
                 <a:cs typeface="ＭＳ ゴシック"/>
               </a:rPr>
               <a:t>型</a:t>
             </a:r>
             <a:r>
-              <a:rPr sz="2912" spc="-31" dirty="0">
+              <a:rPr sz="2912" spc="-31" dirty="0" err="1">
                 <a:latin typeface="ＭＳ ゴシック"/>
                 <a:cs typeface="ＭＳ ゴシック"/>
               </a:rPr>
               <a:t>の</a:t>
             </a:r>
             <a:r>
-              <a:rPr sz="3744" spc="-5" dirty="0">
+              <a:rPr sz="3744" spc="-5" dirty="0" err="1">
                 <a:latin typeface="ＭＳ ゴシック"/>
                 <a:cs typeface="ＭＳ ゴシック"/>
               </a:rPr>
               <a:t>変数</a:t>
             </a:r>
             <a:r>
-              <a:rPr sz="3744" b="1" spc="-10" dirty="0">
+              <a:rPr sz="3744" b="1" spc="-10" dirty="0" err="1">
                 <a:cs typeface="Century Gothic"/>
               </a:rPr>
               <a:t>ch</a:t>
             </a:r>
             <a:r>
-              <a:rPr sz="2912" spc="-36" dirty="0">
+              <a:rPr sz="2912" spc="-36" dirty="0" err="1">
                 <a:latin typeface="ＭＳ ゴシック"/>
                 <a:cs typeface="ＭＳ ゴシック"/>
               </a:rPr>
